--- a/Lecture 4_ Library Structure 3.pptx
+++ b/Lecture 4_ Library Structure 3.pptx
@@ -27,18 +27,18 @@
     <p:sldId id="266" r:id="rId18"/>
     <p:sldId id="267" r:id="rId19"/>
     <p:sldId id="268" r:id="rId20"/>
-    <p:sldId id="269" r:id="rId21"/>
-    <p:sldId id="270" r:id="rId22"/>
-    <p:sldId id="271" r:id="rId23"/>
-    <p:sldId id="272" r:id="rId24"/>
-    <p:sldId id="273" r:id="rId25"/>
-    <p:sldId id="274" r:id="rId26"/>
-    <p:sldId id="275" r:id="rId27"/>
-    <p:sldId id="276" r:id="rId28"/>
-    <p:sldId id="277" r:id="rId29"/>
-    <p:sldId id="278" r:id="rId30"/>
-    <p:sldId id="279" r:id="rId31"/>
-    <p:sldId id="280" r:id="rId32"/>
+    <p:sldId id="305" r:id="rId21"/>
+    <p:sldId id="269" r:id="rId22"/>
+    <p:sldId id="270" r:id="rId23"/>
+    <p:sldId id="271" r:id="rId24"/>
+    <p:sldId id="272" r:id="rId25"/>
+    <p:sldId id="273" r:id="rId26"/>
+    <p:sldId id="274" r:id="rId27"/>
+    <p:sldId id="275" r:id="rId28"/>
+    <p:sldId id="276" r:id="rId29"/>
+    <p:sldId id="277" r:id="rId30"/>
+    <p:sldId id="306" r:id="rId31"/>
+    <p:sldId id="279" r:id="rId32"/>
     <p:sldId id="281" r:id="rId33"/>
     <p:sldId id="282" r:id="rId34"/>
     <p:sldId id="283" r:id="rId35"/>
@@ -258,6 +258,11 @@
       </a:defRPr>
     </a:lvl9pPr>
   </p:defaultTextStyle>
+  <p:extLst>
+    <p:ext uri="{EFAFB233-063F-42B5-8137-9DF3F51BA10A}">
+      <p15:sldGuideLst xmlns:p15="http://schemas.microsoft.com/office/powerpoint/2012/main"/>
+    </p:ext>
+  </p:extLst>
 </p:presentation>
 </file>
 
@@ -1270,6 +1275,112 @@
   <p:cSld>
     <p:spTree>
       <p:nvGrpSpPr>
+        <p:cNvPr id="1" name="Shape 384"/>
+        <p:cNvGrpSpPr/>
+        <p:nvPr/>
+      </p:nvGrpSpPr>
+      <p:grpSpPr>
+        <a:xfrm>
+          <a:off x="0" y="0"/>
+          <a:ext cx="0" cy="0"/>
+          <a:chOff x="0" y="0"/>
+          <a:chExt cx="0" cy="0"/>
+        </a:xfrm>
+      </p:grpSpPr>
+      <p:sp>
+        <p:nvSpPr>
+          <p:cNvPr id="385" name="Shape 385"/>
+          <p:cNvSpPr>
+            <a:spLocks noGrp="1" noRot="1" noChangeAspect="1"/>
+          </p:cNvSpPr>
+          <p:nvPr>
+            <p:ph type="sldImg" idx="2"/>
+          </p:nvPr>
+        </p:nvSpPr>
+        <p:spPr>
+          <a:xfrm>
+            <a:off x="381000" y="685800"/>
+            <a:ext cx="6096000" cy="3429000"/>
+          </a:xfrm>
+          <a:custGeom>
+            <a:avLst/>
+            <a:gdLst/>
+            <a:ahLst/>
+            <a:cxnLst/>
+            <a:rect l="0" t="0" r="0" b="0"/>
+            <a:pathLst>
+              <a:path w="120000" h="120000" extrusionOk="0">
+                <a:moveTo>
+                  <a:pt x="0" y="0"/>
+                </a:moveTo>
+                <a:lnTo>
+                  <a:pt x="120000" y="0"/>
+                </a:lnTo>
+                <a:lnTo>
+                  <a:pt x="120000" y="120000"/>
+                </a:lnTo>
+                <a:lnTo>
+                  <a:pt x="0" y="120000"/>
+                </a:lnTo>
+                <a:close/>
+              </a:path>
+            </a:pathLst>
+          </a:custGeom>
+        </p:spPr>
+      </p:sp>
+      <p:sp>
+        <p:nvSpPr>
+          <p:cNvPr id="386" name="Shape 386"/>
+          <p:cNvSpPr txBox="1">
+            <a:spLocks noGrp="1"/>
+          </p:cNvSpPr>
+          <p:nvPr>
+            <p:ph type="body" idx="1"/>
+          </p:nvPr>
+        </p:nvSpPr>
+        <p:spPr>
+          <a:xfrm>
+            <a:off x="685800" y="4343400"/>
+            <a:ext cx="5486399" cy="4114800"/>
+          </a:xfrm>
+          <a:prstGeom prst="rect">
+            <a:avLst/>
+          </a:prstGeom>
+        </p:spPr>
+        <p:txBody>
+          <a:bodyPr lIns="91425" tIns="91425" rIns="91425" bIns="91425" anchor="t" anchorCtr="0">
+            <a:noAutofit/>
+          </a:bodyPr>
+          <a:lstStyle/>
+          <a:p>
+            <a:pPr lvl="0">
+              <a:spcBef>
+                <a:spcPts val="0"/>
+              </a:spcBef>
+              <a:buNone/>
+            </a:pPr>
+            <a:endParaRPr/>
+          </a:p>
+        </p:txBody>
+      </p:sp>
+    </p:spTree>
+    <p:extLst>
+      <p:ext uri="{BB962C8B-B14F-4D97-AF65-F5344CB8AC3E}">
+        <p14:creationId xmlns:p14="http://schemas.microsoft.com/office/powerpoint/2010/main" val="853391598"/>
+      </p:ext>
+    </p:extLst>
+  </p:cSld>
+  <p:clrMapOvr>
+    <a:masterClrMapping/>
+  </p:clrMapOvr>
+</p:notes>
+</file>
+
+<file path=ppt/notesSlides/notesSlide17.xml><?xml version="1.0" encoding="utf-8"?>
+<p:notes xmlns:a="http://schemas.openxmlformats.org/drawingml/2006/main" xmlns:r="http://schemas.openxmlformats.org/officeDocument/2006/relationships" xmlns:p="http://schemas.openxmlformats.org/presentationml/2006/main" showMasterSp="0" showMasterPhAnim="0">
+  <p:cSld>
+    <p:spTree>
+      <p:nvGrpSpPr>
         <p:cNvPr id="1" name="Shape 350"/>
         <p:cNvGrpSpPr/>
         <p:nvPr/>
@@ -1371,7 +1482,7 @@
 </p:notes>
 </file>
 
-<file path=ppt/notesSlides/notesSlide17.xml><?xml version="1.0" encoding="utf-8"?>
+<file path=ppt/notesSlides/notesSlide18.xml><?xml version="1.0" encoding="utf-8"?>
 <p:notes xmlns:a="http://schemas.openxmlformats.org/drawingml/2006/main" xmlns:r="http://schemas.openxmlformats.org/officeDocument/2006/relationships" xmlns:p="http://schemas.openxmlformats.org/presentationml/2006/main" showMasterSp="0" showMasterPhAnim="0">
   <p:cSld>
     <p:spTree>
@@ -1477,7 +1588,7 @@
 </p:notes>
 </file>
 
-<file path=ppt/notesSlides/notesSlide18.xml><?xml version="1.0" encoding="utf-8"?>
+<file path=ppt/notesSlides/notesSlide19.xml><?xml version="1.0" encoding="utf-8"?>
 <p:notes xmlns:a="http://schemas.openxmlformats.org/drawingml/2006/main" xmlns:r="http://schemas.openxmlformats.org/officeDocument/2006/relationships" xmlns:p="http://schemas.openxmlformats.org/presentationml/2006/main" showMasterSp="0" showMasterPhAnim="0">
   <p:cSld>
     <p:spTree>
@@ -1574,112 +1685,6 @@
     <p:extLst>
       <p:ext uri="{BB962C8B-B14F-4D97-AF65-F5344CB8AC3E}">
         <p14:creationId xmlns:p14="http://schemas.microsoft.com/office/powerpoint/2010/main" val="882710760"/>
-      </p:ext>
-    </p:extLst>
-  </p:cSld>
-  <p:clrMapOvr>
-    <a:masterClrMapping/>
-  </p:clrMapOvr>
-</p:notes>
-</file>
-
-<file path=ppt/notesSlides/notesSlide19.xml><?xml version="1.0" encoding="utf-8"?>
-<p:notes xmlns:a="http://schemas.openxmlformats.org/drawingml/2006/main" xmlns:r="http://schemas.openxmlformats.org/officeDocument/2006/relationships" xmlns:p="http://schemas.openxmlformats.org/presentationml/2006/main" showMasterSp="0" showMasterPhAnim="0">
-  <p:cSld>
-    <p:spTree>
-      <p:nvGrpSpPr>
-        <p:cNvPr id="1" name="Shape 370"/>
-        <p:cNvGrpSpPr/>
-        <p:nvPr/>
-      </p:nvGrpSpPr>
-      <p:grpSpPr>
-        <a:xfrm>
-          <a:off x="0" y="0"/>
-          <a:ext cx="0" cy="0"/>
-          <a:chOff x="0" y="0"/>
-          <a:chExt cx="0" cy="0"/>
-        </a:xfrm>
-      </p:grpSpPr>
-      <p:sp>
-        <p:nvSpPr>
-          <p:cNvPr id="371" name="Shape 371"/>
-          <p:cNvSpPr>
-            <a:spLocks noGrp="1" noRot="1" noChangeAspect="1"/>
-          </p:cNvSpPr>
-          <p:nvPr>
-            <p:ph type="sldImg" idx="2"/>
-          </p:nvPr>
-        </p:nvSpPr>
-        <p:spPr>
-          <a:xfrm>
-            <a:off x="381175" y="685800"/>
-            <a:ext cx="6096299" cy="3429000"/>
-          </a:xfrm>
-          <a:custGeom>
-            <a:avLst/>
-            <a:gdLst/>
-            <a:ahLst/>
-            <a:cxnLst/>
-            <a:rect l="0" t="0" r="0" b="0"/>
-            <a:pathLst>
-              <a:path w="120000" h="120000" extrusionOk="0">
-                <a:moveTo>
-                  <a:pt x="0" y="0"/>
-                </a:moveTo>
-                <a:lnTo>
-                  <a:pt x="120000" y="0"/>
-                </a:lnTo>
-                <a:lnTo>
-                  <a:pt x="120000" y="120000"/>
-                </a:lnTo>
-                <a:lnTo>
-                  <a:pt x="0" y="120000"/>
-                </a:lnTo>
-                <a:close/>
-              </a:path>
-            </a:pathLst>
-          </a:custGeom>
-        </p:spPr>
-      </p:sp>
-      <p:sp>
-        <p:nvSpPr>
-          <p:cNvPr id="372" name="Shape 372"/>
-          <p:cNvSpPr txBox="1">
-            <a:spLocks noGrp="1"/>
-          </p:cNvSpPr>
-          <p:nvPr>
-            <p:ph type="body" idx="1"/>
-          </p:nvPr>
-        </p:nvSpPr>
-        <p:spPr>
-          <a:xfrm>
-            <a:off x="685800" y="4343400"/>
-            <a:ext cx="5486399" cy="4114800"/>
-          </a:xfrm>
-          <a:prstGeom prst="rect">
-            <a:avLst/>
-          </a:prstGeom>
-        </p:spPr>
-        <p:txBody>
-          <a:bodyPr lIns="91425" tIns="91425" rIns="91425" bIns="91425" anchor="t" anchorCtr="0">
-            <a:noAutofit/>
-          </a:bodyPr>
-          <a:lstStyle/>
-          <a:p>
-            <a:pPr lvl="0" rtl="0">
-              <a:spcBef>
-                <a:spcPts val="0"/>
-              </a:spcBef>
-              <a:buNone/>
-            </a:pPr>
-            <a:endParaRPr/>
-          </a:p>
-        </p:txBody>
-      </p:sp>
-    </p:spTree>
-    <p:extLst>
-      <p:ext uri="{BB962C8B-B14F-4D97-AF65-F5344CB8AC3E}">
-        <p14:creationId xmlns:p14="http://schemas.microsoft.com/office/powerpoint/2010/main" val="902709844"/>
       </p:ext>
     </p:extLst>
   </p:cSld>
@@ -1800,6 +1805,112 @@
   <p:cSld>
     <p:spTree>
       <p:nvGrpSpPr>
+        <p:cNvPr id="1" name="Shape 370"/>
+        <p:cNvGrpSpPr/>
+        <p:nvPr/>
+      </p:nvGrpSpPr>
+      <p:grpSpPr>
+        <a:xfrm>
+          <a:off x="0" y="0"/>
+          <a:ext cx="0" cy="0"/>
+          <a:chOff x="0" y="0"/>
+          <a:chExt cx="0" cy="0"/>
+        </a:xfrm>
+      </p:grpSpPr>
+      <p:sp>
+        <p:nvSpPr>
+          <p:cNvPr id="371" name="Shape 371"/>
+          <p:cNvSpPr>
+            <a:spLocks noGrp="1" noRot="1" noChangeAspect="1"/>
+          </p:cNvSpPr>
+          <p:nvPr>
+            <p:ph type="sldImg" idx="2"/>
+          </p:nvPr>
+        </p:nvSpPr>
+        <p:spPr>
+          <a:xfrm>
+            <a:off x="381175" y="685800"/>
+            <a:ext cx="6096299" cy="3429000"/>
+          </a:xfrm>
+          <a:custGeom>
+            <a:avLst/>
+            <a:gdLst/>
+            <a:ahLst/>
+            <a:cxnLst/>
+            <a:rect l="0" t="0" r="0" b="0"/>
+            <a:pathLst>
+              <a:path w="120000" h="120000" extrusionOk="0">
+                <a:moveTo>
+                  <a:pt x="0" y="0"/>
+                </a:moveTo>
+                <a:lnTo>
+                  <a:pt x="120000" y="0"/>
+                </a:lnTo>
+                <a:lnTo>
+                  <a:pt x="120000" y="120000"/>
+                </a:lnTo>
+                <a:lnTo>
+                  <a:pt x="0" y="120000"/>
+                </a:lnTo>
+                <a:close/>
+              </a:path>
+            </a:pathLst>
+          </a:custGeom>
+        </p:spPr>
+      </p:sp>
+      <p:sp>
+        <p:nvSpPr>
+          <p:cNvPr id="372" name="Shape 372"/>
+          <p:cNvSpPr txBox="1">
+            <a:spLocks noGrp="1"/>
+          </p:cNvSpPr>
+          <p:nvPr>
+            <p:ph type="body" idx="1"/>
+          </p:nvPr>
+        </p:nvSpPr>
+        <p:spPr>
+          <a:xfrm>
+            <a:off x="685800" y="4343400"/>
+            <a:ext cx="5486399" cy="4114800"/>
+          </a:xfrm>
+          <a:prstGeom prst="rect">
+            <a:avLst/>
+          </a:prstGeom>
+        </p:spPr>
+        <p:txBody>
+          <a:bodyPr lIns="91425" tIns="91425" rIns="91425" bIns="91425" anchor="t" anchorCtr="0">
+            <a:noAutofit/>
+          </a:bodyPr>
+          <a:lstStyle/>
+          <a:p>
+            <a:pPr lvl="0" rtl="0">
+              <a:spcBef>
+                <a:spcPts val="0"/>
+              </a:spcBef>
+              <a:buNone/>
+            </a:pPr>
+            <a:endParaRPr/>
+          </a:p>
+        </p:txBody>
+      </p:sp>
+    </p:spTree>
+    <p:extLst>
+      <p:ext uri="{BB962C8B-B14F-4D97-AF65-F5344CB8AC3E}">
+        <p14:creationId xmlns:p14="http://schemas.microsoft.com/office/powerpoint/2010/main" val="902709844"/>
+      </p:ext>
+    </p:extLst>
+  </p:cSld>
+  <p:clrMapOvr>
+    <a:masterClrMapping/>
+  </p:clrMapOvr>
+</p:notes>
+</file>
+
+<file path=ppt/notesSlides/notesSlide21.xml><?xml version="1.0" encoding="utf-8"?>
+<p:notes xmlns:a="http://schemas.openxmlformats.org/drawingml/2006/main" xmlns:r="http://schemas.openxmlformats.org/officeDocument/2006/relationships" xmlns:p="http://schemas.openxmlformats.org/presentationml/2006/main" showMasterSp="0" showMasterPhAnim="0">
+  <p:cSld>
+    <p:spTree>
+      <p:nvGrpSpPr>
         <p:cNvPr id="1" name="Shape 377"/>
         <p:cNvGrpSpPr/>
         <p:nvPr/>
@@ -1901,7 +2012,7 @@
 </p:notes>
 </file>
 
-<file path=ppt/notesSlides/notesSlide21.xml><?xml version="1.0" encoding="utf-8"?>
+<file path=ppt/notesSlides/notesSlide22.xml><?xml version="1.0" encoding="utf-8"?>
 <p:notes xmlns:a="http://schemas.openxmlformats.org/drawingml/2006/main" xmlns:r="http://schemas.openxmlformats.org/officeDocument/2006/relationships" xmlns:p="http://schemas.openxmlformats.org/presentationml/2006/main" showMasterSp="0" showMasterPhAnim="0">
   <p:cSld>
     <p:spTree>
@@ -2007,7 +2118,7 @@
 </p:notes>
 </file>
 
-<file path=ppt/notesSlides/notesSlide22.xml><?xml version="1.0" encoding="utf-8"?>
+<file path=ppt/notesSlides/notesSlide23.xml><?xml version="1.0" encoding="utf-8"?>
 <p:notes xmlns:a="http://schemas.openxmlformats.org/drawingml/2006/main" xmlns:r="http://schemas.openxmlformats.org/officeDocument/2006/relationships" xmlns:p="http://schemas.openxmlformats.org/presentationml/2006/main" showMasterSp="0" showMasterPhAnim="0">
   <p:cSld>
     <p:spTree>
@@ -2113,7 +2224,7 @@
 </p:notes>
 </file>
 
-<file path=ppt/notesSlides/notesSlide23.xml><?xml version="1.0" encoding="utf-8"?>
+<file path=ppt/notesSlides/notesSlide24.xml><?xml version="1.0" encoding="utf-8"?>
 <p:notes xmlns:a="http://schemas.openxmlformats.org/drawingml/2006/main" xmlns:r="http://schemas.openxmlformats.org/officeDocument/2006/relationships" xmlns:p="http://schemas.openxmlformats.org/presentationml/2006/main" showMasterSp="0" showMasterPhAnim="0">
   <p:cSld>
     <p:spTree>
@@ -2219,7 +2330,7 @@
 </p:notes>
 </file>
 
-<file path=ppt/notesSlides/notesSlide24.xml><?xml version="1.0" encoding="utf-8"?>
+<file path=ppt/notesSlides/notesSlide25.xml><?xml version="1.0" encoding="utf-8"?>
 <p:notes xmlns:a="http://schemas.openxmlformats.org/drawingml/2006/main" xmlns:r="http://schemas.openxmlformats.org/officeDocument/2006/relationships" xmlns:p="http://schemas.openxmlformats.org/presentationml/2006/main" showMasterSp="0" showMasterPhAnim="0">
   <p:cSld>
     <p:spTree>
@@ -2325,12 +2436,12 @@
 </p:notes>
 </file>
 
-<file path=ppt/notesSlides/notesSlide25.xml><?xml version="1.0" encoding="utf-8"?>
+<file path=ppt/notesSlides/notesSlide26.xml><?xml version="1.0" encoding="utf-8"?>
 <p:notes xmlns:a="http://schemas.openxmlformats.org/drawingml/2006/main" xmlns:r="http://schemas.openxmlformats.org/officeDocument/2006/relationships" xmlns:p="http://schemas.openxmlformats.org/presentationml/2006/main" showMasterSp="0" showMasterPhAnim="0">
   <p:cSld>
     <p:spTree>
       <p:nvGrpSpPr>
-        <p:cNvPr id="1" name="Shape 408"/>
+        <p:cNvPr id="1" name="Shape 279"/>
         <p:cNvGrpSpPr/>
         <p:nvPr/>
       </p:nvGrpSpPr>
@@ -2344,7 +2455,7 @@
       </p:grpSpPr>
       <p:sp>
         <p:nvSpPr>
-          <p:cNvPr id="409" name="Shape 409"/>
+          <p:cNvPr id="280" name="Shape 280"/>
           <p:cNvSpPr>
             <a:spLocks noGrp="1" noRot="1" noChangeAspect="1"/>
           </p:cNvSpPr>
@@ -2354,8 +2465,8 @@
         </p:nvSpPr>
         <p:spPr>
           <a:xfrm>
-            <a:off x="381175" y="685800"/>
-            <a:ext cx="6096299" cy="3429000"/>
+            <a:off x="381000" y="685800"/>
+            <a:ext cx="6096000" cy="3429000"/>
           </a:xfrm>
           <a:custGeom>
             <a:avLst/>
@@ -2385,7 +2496,7 @@
       </p:sp>
       <p:sp>
         <p:nvSpPr>
-          <p:cNvPr id="410" name="Shape 410"/>
+          <p:cNvPr id="281" name="Shape 281"/>
           <p:cNvSpPr txBox="1">
             <a:spLocks noGrp="1"/>
           </p:cNvSpPr>
@@ -2421,7 +2532,7 @@
     </p:spTree>
     <p:extLst>
       <p:ext uri="{BB962C8B-B14F-4D97-AF65-F5344CB8AC3E}">
-        <p14:creationId xmlns:p14="http://schemas.microsoft.com/office/powerpoint/2010/main" val="2002737604"/>
+        <p14:creationId xmlns:p14="http://schemas.microsoft.com/office/powerpoint/2010/main" val="1772322491"/>
       </p:ext>
     </p:extLst>
   </p:cSld>
@@ -2431,7 +2542,7 @@
 </p:notes>
 </file>
 
-<file path=ppt/notesSlides/notesSlide26.xml><?xml version="1.0" encoding="utf-8"?>
+<file path=ppt/notesSlides/notesSlide27.xml><?xml version="1.0" encoding="utf-8"?>
 <p:notes xmlns:a="http://schemas.openxmlformats.org/drawingml/2006/main" xmlns:r="http://schemas.openxmlformats.org/officeDocument/2006/relationships" xmlns:p="http://schemas.openxmlformats.org/presentationml/2006/main" showMasterSp="0" showMasterPhAnim="0">
   <p:cSld>
     <p:spTree>
@@ -2528,112 +2639,6 @@
     <p:extLst>
       <p:ext uri="{BB962C8B-B14F-4D97-AF65-F5344CB8AC3E}">
         <p14:creationId xmlns:p14="http://schemas.microsoft.com/office/powerpoint/2010/main" val="352227350"/>
-      </p:ext>
-    </p:extLst>
-  </p:cSld>
-  <p:clrMapOvr>
-    <a:masterClrMapping/>
-  </p:clrMapOvr>
-</p:notes>
-</file>
-
-<file path=ppt/notesSlides/notesSlide27.xml><?xml version="1.0" encoding="utf-8"?>
-<p:notes xmlns:a="http://schemas.openxmlformats.org/drawingml/2006/main" xmlns:r="http://schemas.openxmlformats.org/officeDocument/2006/relationships" xmlns:p="http://schemas.openxmlformats.org/presentationml/2006/main" showMasterSp="0" showMasterPhAnim="0">
-  <p:cSld>
-    <p:spTree>
-      <p:nvGrpSpPr>
-        <p:cNvPr id="1" name="Shape 421"/>
-        <p:cNvGrpSpPr/>
-        <p:nvPr/>
-      </p:nvGrpSpPr>
-      <p:grpSpPr>
-        <a:xfrm>
-          <a:off x="0" y="0"/>
-          <a:ext cx="0" cy="0"/>
-          <a:chOff x="0" y="0"/>
-          <a:chExt cx="0" cy="0"/>
-        </a:xfrm>
-      </p:grpSpPr>
-      <p:sp>
-        <p:nvSpPr>
-          <p:cNvPr id="422" name="Shape 422"/>
-          <p:cNvSpPr>
-            <a:spLocks noGrp="1" noRot="1" noChangeAspect="1"/>
-          </p:cNvSpPr>
-          <p:nvPr>
-            <p:ph type="sldImg" idx="2"/>
-          </p:nvPr>
-        </p:nvSpPr>
-        <p:spPr>
-          <a:xfrm>
-            <a:off x="381187" y="685800"/>
-            <a:ext cx="6096299" cy="3429000"/>
-          </a:xfrm>
-          <a:custGeom>
-            <a:avLst/>
-            <a:gdLst/>
-            <a:ahLst/>
-            <a:cxnLst/>
-            <a:rect l="0" t="0" r="0" b="0"/>
-            <a:pathLst>
-              <a:path w="120000" h="120000" extrusionOk="0">
-                <a:moveTo>
-                  <a:pt x="0" y="0"/>
-                </a:moveTo>
-                <a:lnTo>
-                  <a:pt x="120000" y="0"/>
-                </a:lnTo>
-                <a:lnTo>
-                  <a:pt x="120000" y="120000"/>
-                </a:lnTo>
-                <a:lnTo>
-                  <a:pt x="0" y="120000"/>
-                </a:lnTo>
-                <a:close/>
-              </a:path>
-            </a:pathLst>
-          </a:custGeom>
-        </p:spPr>
-      </p:sp>
-      <p:sp>
-        <p:nvSpPr>
-          <p:cNvPr id="423" name="Shape 423"/>
-          <p:cNvSpPr txBox="1">
-            <a:spLocks noGrp="1"/>
-          </p:cNvSpPr>
-          <p:nvPr>
-            <p:ph type="body" idx="1"/>
-          </p:nvPr>
-        </p:nvSpPr>
-        <p:spPr>
-          <a:xfrm>
-            <a:off x="685800" y="4343400"/>
-            <a:ext cx="5486400" cy="4114800"/>
-          </a:xfrm>
-          <a:prstGeom prst="rect">
-            <a:avLst/>
-          </a:prstGeom>
-        </p:spPr>
-        <p:txBody>
-          <a:bodyPr lIns="91425" tIns="91425" rIns="91425" bIns="91425" anchor="t" anchorCtr="0">
-            <a:noAutofit/>
-          </a:bodyPr>
-          <a:lstStyle/>
-          <a:p>
-            <a:pPr lvl="0" rtl="0">
-              <a:spcBef>
-                <a:spcPts val="0"/>
-              </a:spcBef>
-              <a:buNone/>
-            </a:pPr>
-            <a:endParaRPr/>
-          </a:p>
-        </p:txBody>
-      </p:sp>
-    </p:spTree>
-    <p:extLst>
-      <p:ext uri="{BB962C8B-B14F-4D97-AF65-F5344CB8AC3E}">
-        <p14:creationId xmlns:p14="http://schemas.microsoft.com/office/powerpoint/2010/main" val="1420140318"/>
       </p:ext>
     </p:extLst>
   </p:cSld>
@@ -16919,16 +16924,17 @@
           </a:p>
           <a:p>
             <a:r>
+              <a:rPr lang="en-US" dirty="0" smtClean="0"/>
+              <a:t>Energies</a:t>
+            </a:r>
+            <a:endParaRPr lang="en-US" dirty="0" smtClean="0"/>
+          </a:p>
+          <a:p>
+            <a:r>
               <a:rPr lang="en-US" dirty="0" err="1"/>
               <a:t>ScoreType</a:t>
             </a:r>
             <a:endParaRPr lang="en-US" dirty="0" smtClean="0"/>
-          </a:p>
-          <a:p>
-            <a:r>
-              <a:rPr lang="en-US" dirty="0" smtClean="0"/>
-              <a:t>Energies</a:t>
-            </a:r>
           </a:p>
           <a:p>
             <a:r>
@@ -17038,6 +17044,13 @@
   <p:clrMapOvr>
     <a:masterClrMapping/>
   </p:clrMapOvr>
+  <p:timing>
+    <p:tnLst>
+      <p:par>
+        <p:cTn id="1" dur="indefinite" restart="never" nodeType="tmRoot"/>
+      </p:par>
+    </p:tnLst>
+  </p:timing>
 </p:sld>
 </file>
 
@@ -17957,11 +17970,7 @@
             </a:r>
             <a:r>
               <a:rPr lang="en-US" sz="1100" dirty="0"/>
-              <a:t>energy for each amino acid. Balances internal energy of </a:t>
-            </a:r>
-            <a:r>
-              <a:rPr lang="en-US" sz="1100" dirty="0"/>
-              <a:t>amino acid </a:t>
+              <a:t>energy for each amino acid. Balances internal energy of amino acid </a:t>
             </a:r>
             <a:r>
               <a:rPr lang="en-US" sz="1100" dirty="0" smtClean="0"/>
@@ -18055,7 +18064,6 @@
               <a:rPr lang="en-US" sz="1100" dirty="0"/>
               <a:t>Coulombic electrostatic potential with a distance-dependent dielectric</a:t>
             </a:r>
-            <a:endParaRPr lang="en-US" sz="1100" dirty="0"/>
           </a:p>
         </p:txBody>
       </p:sp>
@@ -19192,7 +19200,7 @@
   <p:cSld>
     <p:spTree>
       <p:nvGrpSpPr>
-        <p:cNvPr id="1" name="Shape 353"/>
+        <p:cNvPr id="1" name="Shape 387"/>
         <p:cNvGrpSpPr/>
         <p:nvPr/>
       </p:nvGrpSpPr>
@@ -19206,7 +19214,7 @@
       </p:grpSpPr>
       <p:sp>
         <p:nvSpPr>
-          <p:cNvPr id="354" name="Shape 354"/>
+          <p:cNvPr id="388" name="Shape 388"/>
           <p:cNvSpPr txBox="1">
             <a:spLocks noGrp="1"/>
           </p:cNvSpPr>
@@ -19244,7 +19252,7 @@
       </p:sp>
       <p:sp>
         <p:nvSpPr>
-          <p:cNvPr id="355" name="Shape 355"/>
+          <p:cNvPr id="389" name="Shape 389"/>
           <p:cNvSpPr txBox="1">
             <a:spLocks noGrp="1"/>
           </p:cNvSpPr>
@@ -19274,7 +19282,12 @@
               <a:buNone/>
             </a:pPr>
             <a:r>
-              <a:rPr lang="en" dirty="0"/>
+              <a:rPr lang="en" sz="1400">
+                <a:latin typeface="Consolas"/>
+                <a:ea typeface="Consolas"/>
+                <a:cs typeface="Consolas"/>
+                <a:sym typeface="Consolas"/>
+              </a:rPr>
               <a:t>namespace core {</a:t>
             </a:r>
           </a:p>
@@ -19286,7 +19299,12 @@
               <a:buNone/>
             </a:pPr>
             <a:r>
-              <a:rPr lang="en" dirty="0"/>
+              <a:rPr lang="en" sz="1400">
+                <a:latin typeface="Consolas"/>
+                <a:ea typeface="Consolas"/>
+                <a:cs typeface="Consolas"/>
+                <a:sym typeface="Consolas"/>
+              </a:rPr>
               <a:t>namespace scoring {</a:t>
             </a:r>
           </a:p>
@@ -19297,154 +19315,268 @@
               </a:spcBef>
               <a:buNone/>
             </a:pPr>
-            <a:r>
-              <a:rPr lang="en" dirty="0"/>
-              <a:t>namespace methods {</a:t>
-            </a:r>
-          </a:p>
-          <a:p>
-            <a:pPr lvl="0" rtl="0">
-              <a:spcBef>
-                <a:spcPts val="0"/>
-              </a:spcBef>
-              <a:buNone/>
-            </a:pPr>
-            <a:endParaRPr dirty="0"/>
-          </a:p>
-          <a:p>
-            <a:pPr lvl="0" rtl="0">
-              <a:spcBef>
-                <a:spcPts val="0"/>
-              </a:spcBef>
-              <a:buNone/>
-            </a:pPr>
-            <a:r>
-              <a:rPr lang="en" dirty="0"/>
-              <a:t>class </a:t>
-            </a:r>
-            <a:r>
-              <a:rPr lang="en" dirty="0" err="1"/>
-              <a:t>EnergyMethod</a:t>
-            </a:r>
-            <a:r>
-              <a:rPr lang="en" dirty="0"/>
-              <a:t> {...};</a:t>
-            </a:r>
-          </a:p>
-          <a:p>
-            <a:pPr lvl="0" rtl="0">
-              <a:spcBef>
-                <a:spcPts val="0"/>
-              </a:spcBef>
-              <a:buNone/>
-            </a:pPr>
-            <a:endParaRPr dirty="0"/>
-          </a:p>
-          <a:p>
-            <a:pPr lvl="0" rtl="0">
-              <a:spcBef>
-                <a:spcPts val="0"/>
-              </a:spcBef>
-              <a:buNone/>
-            </a:pPr>
-            <a:r>
-              <a:rPr lang="en" dirty="0"/>
-              <a:t>class </a:t>
-            </a:r>
-            <a:r>
-              <a:rPr lang="en" dirty="0" err="1"/>
-              <a:t>OneBodyEnergy</a:t>
-            </a:r>
-            <a:r>
-              <a:rPr lang="en" dirty="0"/>
-              <a:t> : public </a:t>
-            </a:r>
-            <a:r>
-              <a:rPr lang="en" dirty="0" err="1"/>
-              <a:t>EnergyMethod</a:t>
-            </a:r>
-            <a:r>
-              <a:rPr lang="en" dirty="0"/>
-              <a:t> {...};</a:t>
-            </a:r>
-          </a:p>
-          <a:p>
-            <a:pPr lvl="0" rtl="0">
-              <a:spcBef>
-                <a:spcPts val="0"/>
-              </a:spcBef>
-              <a:buNone/>
-            </a:pPr>
-            <a:endParaRPr dirty="0"/>
-          </a:p>
-          <a:p>
-            <a:pPr lvl="0" rtl="0">
-              <a:spcBef>
-                <a:spcPts val="0"/>
-              </a:spcBef>
-              <a:buNone/>
-            </a:pPr>
-            <a:r>
-              <a:rPr lang="en" dirty="0"/>
-              <a:t>class </a:t>
-            </a:r>
-            <a:r>
-              <a:rPr lang="en" dirty="0" err="1"/>
-              <a:t>TwoBodyEnergy</a:t>
-            </a:r>
-            <a:r>
-              <a:rPr lang="en" dirty="0"/>
-              <a:t> : public </a:t>
-            </a:r>
-            <a:r>
-              <a:rPr lang="en" dirty="0" err="1"/>
-              <a:t>EnergyMethod</a:t>
-            </a:r>
-            <a:r>
-              <a:rPr lang="en" dirty="0"/>
-              <a:t> {...};</a:t>
-            </a:r>
-          </a:p>
-          <a:p>
-            <a:pPr lvl="0" rtl="0">
-              <a:spcBef>
-                <a:spcPts val="0"/>
-              </a:spcBef>
-              <a:buNone/>
-            </a:pPr>
-            <a:endParaRPr dirty="0"/>
-          </a:p>
-          <a:p>
-            <a:pPr lvl="0" rtl="0">
-              <a:spcBef>
-                <a:spcPts val="0"/>
-              </a:spcBef>
-              <a:buNone/>
-            </a:pPr>
-            <a:r>
-              <a:rPr lang="en" dirty="0"/>
-              <a:t>class </a:t>
-            </a:r>
-            <a:r>
-              <a:rPr lang="en" dirty="0" err="1"/>
-              <a:t>WholeStructureEnergy</a:t>
-            </a:r>
-            <a:r>
-              <a:rPr lang="en" dirty="0"/>
-              <a:t> : public </a:t>
-            </a:r>
-            <a:r>
-              <a:rPr lang="en" dirty="0" err="1"/>
-              <a:t>EnergyMethod</a:t>
-            </a:r>
-            <a:r>
-              <a:rPr lang="en" dirty="0"/>
-              <a:t> {...};</a:t>
-            </a:r>
+            <a:endParaRPr sz="1400">
+              <a:latin typeface="Consolas"/>
+              <a:ea typeface="Consolas"/>
+              <a:cs typeface="Consolas"/>
+              <a:sym typeface="Consolas"/>
+            </a:endParaRPr>
+          </a:p>
+          <a:p>
+            <a:pPr lvl="0" rtl="0">
+              <a:spcBef>
+                <a:spcPts val="0"/>
+              </a:spcBef>
+              <a:buNone/>
+            </a:pPr>
+            <a:r>
+              <a:rPr lang="en" sz="1400">
+                <a:latin typeface="Consolas"/>
+                <a:ea typeface="Consolas"/>
+                <a:cs typeface="Consolas"/>
+                <a:sym typeface="Consolas"/>
+              </a:rPr>
+              <a:t>class ScoreFunction : public utility::pointer::ReferenceCount {</a:t>
+            </a:r>
+          </a:p>
+          <a:p>
+            <a:pPr lvl="0" rtl="0">
+              <a:spcBef>
+                <a:spcPts val="0"/>
+              </a:spcBef>
+              <a:buNone/>
+            </a:pPr>
+            <a:r>
+              <a:rPr lang="en" sz="1400">
+                <a:latin typeface="Consolas"/>
+                <a:ea typeface="Consolas"/>
+                <a:cs typeface="Consolas"/>
+                <a:sym typeface="Consolas"/>
+              </a:rPr>
+              <a:t>public:</a:t>
+            </a:r>
+          </a:p>
+          <a:p>
+            <a:pPr lvl="0" rtl="0">
+              <a:spcBef>
+                <a:spcPts val="0"/>
+              </a:spcBef>
+              <a:buNone/>
+            </a:pPr>
+            <a:r>
+              <a:rPr lang="en" sz="1400">
+                <a:latin typeface="Consolas"/>
+                <a:ea typeface="Consolas"/>
+                <a:cs typeface="Consolas"/>
+                <a:sym typeface="Consolas"/>
+              </a:rPr>
+              <a:t>...</a:t>
+            </a:r>
+          </a:p>
+          <a:p>
+            <a:pPr lvl="0" rtl="0">
+              <a:spcBef>
+                <a:spcPts val="0"/>
+              </a:spcBef>
+              <a:buNone/>
+            </a:pPr>
+            <a:r>
+              <a:rPr lang="en" sz="1400">
+                <a:latin typeface="Consolas"/>
+                <a:ea typeface="Consolas"/>
+                <a:cs typeface="Consolas"/>
+                <a:sym typeface="Consolas"/>
+              </a:rPr>
+              <a:t>private:</a:t>
+            </a:r>
+          </a:p>
+          <a:p>
+            <a:pPr lvl="0" rtl="0">
+              <a:spcBef>
+                <a:spcPts val="0"/>
+              </a:spcBef>
+              <a:buNone/>
+            </a:pPr>
+            <a:r>
+              <a:rPr lang="en" sz="1400">
+                <a:latin typeface="Consolas"/>
+                <a:ea typeface="Consolas"/>
+                <a:cs typeface="Consolas"/>
+                <a:sym typeface="Consolas"/>
+              </a:rPr>
+              <a:t>   EnergyMap weights_;</a:t>
+            </a:r>
+          </a:p>
+          <a:p>
+            <a:pPr lvl="0" rtl="0">
+              <a:spcBef>
+                <a:spcPts val="0"/>
+              </a:spcBef>
+              <a:buNone/>
+            </a:pPr>
+            <a:r>
+              <a:rPr lang="en" sz="1400">
+                <a:latin typeface="Consolas"/>
+                <a:ea typeface="Consolas"/>
+                <a:cs typeface="Consolas"/>
+                <a:sym typeface="Consolas"/>
+              </a:rPr>
+              <a:t>...</a:t>
+            </a:r>
+          </a:p>
+          <a:p>
+            <a:pPr lvl="0" rtl="0">
+              <a:spcBef>
+                <a:spcPts val="0"/>
+              </a:spcBef>
+              <a:buNone/>
+            </a:pPr>
+            <a:r>
+              <a:rPr lang="en" sz="1400">
+                <a:latin typeface="Consolas"/>
+                <a:ea typeface="Consolas"/>
+                <a:cs typeface="Consolas"/>
+                <a:sym typeface="Consolas"/>
+              </a:rPr>
+              <a:t>   CI_2B_Methods     ci_2b_methods_;</a:t>
+            </a:r>
+          </a:p>
+          <a:p>
+            <a:pPr lvl="0" rtl="0">
+              <a:spcBef>
+                <a:spcPts val="0"/>
+              </a:spcBef>
+              <a:buNone/>
+            </a:pPr>
+            <a:r>
+              <a:rPr lang="en" sz="1400">
+                <a:latin typeface="Consolas"/>
+                <a:ea typeface="Consolas"/>
+                <a:cs typeface="Consolas"/>
+                <a:sym typeface="Consolas"/>
+              </a:rPr>
+              <a:t>   CD_2B_Methods     cd_2b_methods_;</a:t>
+            </a:r>
+          </a:p>
+          <a:p>
+            <a:pPr lvl="0" rtl="0">
+              <a:spcBef>
+                <a:spcPts val="0"/>
+              </a:spcBef>
+              <a:buNone/>
+            </a:pPr>
+            <a:r>
+              <a:rPr lang="en" sz="1400">
+                <a:latin typeface="Consolas"/>
+                <a:ea typeface="Consolas"/>
+                <a:cs typeface="Consolas"/>
+                <a:sym typeface="Consolas"/>
+              </a:rPr>
+              <a:t>   CI_1B_Methods     ci_1b_methods_;</a:t>
+            </a:r>
+          </a:p>
+          <a:p>
+            <a:pPr lvl="0" rtl="0">
+              <a:spcBef>
+                <a:spcPts val="0"/>
+              </a:spcBef>
+              <a:buNone/>
+            </a:pPr>
+            <a:r>
+              <a:rPr lang="en" sz="1400">
+                <a:latin typeface="Consolas"/>
+                <a:ea typeface="Consolas"/>
+                <a:cs typeface="Consolas"/>
+                <a:sym typeface="Consolas"/>
+              </a:rPr>
+              <a:t>   CD_1B_Methods     cd_1b_methods_;</a:t>
+            </a:r>
+          </a:p>
+          <a:p>
+            <a:pPr lvl="0" rtl="0">
+              <a:spcBef>
+                <a:spcPts val="0"/>
+              </a:spcBef>
+              <a:buNone/>
+            </a:pPr>
+            <a:r>
+              <a:rPr lang="en" sz="1400">
+                <a:latin typeface="Consolas"/>
+                <a:ea typeface="Consolas"/>
+                <a:cs typeface="Consolas"/>
+                <a:sym typeface="Consolas"/>
+              </a:rPr>
+              <a:t>   CI_LR_2B_Methods  ci_lr_2b_methods_;</a:t>
+            </a:r>
+          </a:p>
+          <a:p>
+            <a:pPr lvl="0" rtl="0">
+              <a:spcBef>
+                <a:spcPts val="0"/>
+              </a:spcBef>
+              <a:buNone/>
+            </a:pPr>
+            <a:r>
+              <a:rPr lang="en" sz="1400">
+                <a:latin typeface="Consolas"/>
+                <a:ea typeface="Consolas"/>
+                <a:cs typeface="Consolas"/>
+                <a:sym typeface="Consolas"/>
+              </a:rPr>
+              <a:t>   CD_LR_2B_Methods  cd_lr_2b_methods_;</a:t>
+            </a:r>
+          </a:p>
+          <a:p>
+            <a:pPr lvl="0" rtl="0">
+              <a:spcBef>
+                <a:spcPts val="0"/>
+              </a:spcBef>
+              <a:buNone/>
+            </a:pPr>
+            <a:r>
+              <a:rPr lang="en" sz="1400">
+                <a:latin typeface="Consolas"/>
+                <a:ea typeface="Consolas"/>
+                <a:cs typeface="Consolas"/>
+                <a:sym typeface="Consolas"/>
+              </a:rPr>
+              <a:t>   LR_2B_Methods     lr_2b_methods_;</a:t>
+            </a:r>
+          </a:p>
+          <a:p>
+            <a:pPr lvl="0" rtl="0">
+              <a:spcBef>
+                <a:spcPts val="0"/>
+              </a:spcBef>
+              <a:buNone/>
+            </a:pPr>
+            <a:r>
+              <a:rPr lang="en" sz="1400">
+                <a:latin typeface="Consolas"/>
+                <a:ea typeface="Consolas"/>
+                <a:cs typeface="Consolas"/>
+                <a:sym typeface="Consolas"/>
+              </a:rPr>
+              <a:t>   WS_Methods        ws_methods_;</a:t>
+            </a:r>
+          </a:p>
+          <a:p>
+            <a:pPr lvl="0">
+              <a:spcBef>
+                <a:spcPts val="0"/>
+              </a:spcBef>
+              <a:buNone/>
+            </a:pPr>
+            <a:endParaRPr sz="1400"/>
           </a:p>
         </p:txBody>
       </p:sp>
     </p:spTree>
+    <p:extLst>
+      <p:ext uri="{BB962C8B-B14F-4D97-AF65-F5344CB8AC3E}">
+        <p14:creationId xmlns:p14="http://schemas.microsoft.com/office/powerpoint/2010/main" val="886029928"/>
+      </p:ext>
+    </p:extLst>
   </p:cSld>
   <p:clrMapOvr>
     <a:masterClrMapping/>
@@ -22197,6 +22329,271 @@
   <p:cSld>
     <p:spTree>
       <p:nvGrpSpPr>
+        <p:cNvPr id="1" name="Shape 353"/>
+        <p:cNvGrpSpPr/>
+        <p:nvPr/>
+      </p:nvGrpSpPr>
+      <p:grpSpPr>
+        <a:xfrm>
+          <a:off x="0" y="0"/>
+          <a:ext cx="0" cy="0"/>
+          <a:chOff x="0" y="0"/>
+          <a:chExt cx="0" cy="0"/>
+        </a:xfrm>
+      </p:grpSpPr>
+      <p:sp>
+        <p:nvSpPr>
+          <p:cNvPr id="354" name="Shape 354"/>
+          <p:cNvSpPr txBox="1">
+            <a:spLocks noGrp="1"/>
+          </p:cNvSpPr>
+          <p:nvPr>
+            <p:ph type="title"/>
+          </p:nvPr>
+        </p:nvSpPr>
+        <p:spPr>
+          <a:xfrm>
+            <a:off x="457200" y="101100"/>
+            <a:ext cx="7315500" cy="539400"/>
+          </a:xfrm>
+          <a:prstGeom prst="rect">
+            <a:avLst/>
+          </a:prstGeom>
+        </p:spPr>
+        <p:txBody>
+          <a:bodyPr lIns="91425" tIns="91425" rIns="91425" bIns="91425" anchor="b" anchorCtr="0">
+            <a:noAutofit/>
+          </a:bodyPr>
+          <a:lstStyle/>
+          <a:p>
+            <a:pPr lvl="0">
+              <a:spcBef>
+                <a:spcPts val="0"/>
+              </a:spcBef>
+              <a:buNone/>
+            </a:pPr>
+            <a:r>
+              <a:rPr lang="en"/>
+              <a:t>core.3</a:t>
+            </a:r>
+          </a:p>
+        </p:txBody>
+      </p:sp>
+      <p:sp>
+        <p:nvSpPr>
+          <p:cNvPr id="355" name="Shape 355"/>
+          <p:cNvSpPr txBox="1">
+            <a:spLocks noGrp="1"/>
+          </p:cNvSpPr>
+          <p:nvPr>
+            <p:ph type="body" idx="1"/>
+          </p:nvPr>
+        </p:nvSpPr>
+        <p:spPr>
+          <a:xfrm>
+            <a:off x="457200" y="884081"/>
+            <a:ext cx="8229600" cy="3797100"/>
+          </a:xfrm>
+          <a:prstGeom prst="rect">
+            <a:avLst/>
+          </a:prstGeom>
+        </p:spPr>
+        <p:txBody>
+          <a:bodyPr lIns="91425" tIns="91425" rIns="91425" bIns="91425" anchor="t" anchorCtr="0">
+            <a:noAutofit/>
+          </a:bodyPr>
+          <a:lstStyle/>
+          <a:p>
+            <a:pPr lvl="0" rtl="0">
+              <a:spcBef>
+                <a:spcPts val="0"/>
+              </a:spcBef>
+              <a:buNone/>
+            </a:pPr>
+            <a:r>
+              <a:rPr lang="en" dirty="0"/>
+              <a:t>namespace core {</a:t>
+            </a:r>
+          </a:p>
+          <a:p>
+            <a:pPr lvl="0" rtl="0">
+              <a:spcBef>
+                <a:spcPts val="0"/>
+              </a:spcBef>
+              <a:buNone/>
+            </a:pPr>
+            <a:r>
+              <a:rPr lang="en" dirty="0"/>
+              <a:t>namespace scoring {</a:t>
+            </a:r>
+          </a:p>
+          <a:p>
+            <a:pPr lvl="0" rtl="0">
+              <a:spcBef>
+                <a:spcPts val="0"/>
+              </a:spcBef>
+              <a:buNone/>
+            </a:pPr>
+            <a:r>
+              <a:rPr lang="en" dirty="0"/>
+              <a:t>namespace methods {</a:t>
+            </a:r>
+          </a:p>
+          <a:p>
+            <a:pPr lvl="0" rtl="0">
+              <a:spcBef>
+                <a:spcPts val="0"/>
+              </a:spcBef>
+              <a:buNone/>
+            </a:pPr>
+            <a:endParaRPr dirty="0"/>
+          </a:p>
+          <a:p>
+            <a:pPr lvl="0" rtl="0">
+              <a:spcBef>
+                <a:spcPts val="0"/>
+              </a:spcBef>
+              <a:buNone/>
+            </a:pPr>
+            <a:r>
+              <a:rPr lang="en" dirty="0"/>
+              <a:t>class </a:t>
+            </a:r>
+            <a:r>
+              <a:rPr lang="en" dirty="0" err="1"/>
+              <a:t>EnergyMethod</a:t>
+            </a:r>
+            <a:r>
+              <a:rPr lang="en" dirty="0"/>
+              <a:t> {...};</a:t>
+            </a:r>
+          </a:p>
+          <a:p>
+            <a:pPr lvl="0" rtl="0">
+              <a:spcBef>
+                <a:spcPts val="0"/>
+              </a:spcBef>
+              <a:buNone/>
+            </a:pPr>
+            <a:endParaRPr dirty="0"/>
+          </a:p>
+          <a:p>
+            <a:pPr lvl="0" rtl="0">
+              <a:spcBef>
+                <a:spcPts val="0"/>
+              </a:spcBef>
+              <a:buNone/>
+            </a:pPr>
+            <a:r>
+              <a:rPr lang="en" dirty="0"/>
+              <a:t>class </a:t>
+            </a:r>
+            <a:r>
+              <a:rPr lang="en" dirty="0" err="1"/>
+              <a:t>OneBodyEnergy</a:t>
+            </a:r>
+            <a:r>
+              <a:rPr lang="en" dirty="0"/>
+              <a:t> : public </a:t>
+            </a:r>
+            <a:r>
+              <a:rPr lang="en" dirty="0" err="1"/>
+              <a:t>EnergyMethod</a:t>
+            </a:r>
+            <a:r>
+              <a:rPr lang="en" dirty="0"/>
+              <a:t> {...};</a:t>
+            </a:r>
+          </a:p>
+          <a:p>
+            <a:pPr lvl="0" rtl="0">
+              <a:spcBef>
+                <a:spcPts val="0"/>
+              </a:spcBef>
+              <a:buNone/>
+            </a:pPr>
+            <a:endParaRPr dirty="0"/>
+          </a:p>
+          <a:p>
+            <a:pPr lvl="0" rtl="0">
+              <a:spcBef>
+                <a:spcPts val="0"/>
+              </a:spcBef>
+              <a:buNone/>
+            </a:pPr>
+            <a:r>
+              <a:rPr lang="en" dirty="0"/>
+              <a:t>class </a:t>
+            </a:r>
+            <a:r>
+              <a:rPr lang="en" dirty="0" err="1"/>
+              <a:t>TwoBodyEnergy</a:t>
+            </a:r>
+            <a:r>
+              <a:rPr lang="en" dirty="0"/>
+              <a:t> : public </a:t>
+            </a:r>
+            <a:r>
+              <a:rPr lang="en" dirty="0" err="1"/>
+              <a:t>EnergyMethod</a:t>
+            </a:r>
+            <a:r>
+              <a:rPr lang="en" dirty="0"/>
+              <a:t> {...};</a:t>
+            </a:r>
+          </a:p>
+          <a:p>
+            <a:pPr lvl="0" rtl="0">
+              <a:spcBef>
+                <a:spcPts val="0"/>
+              </a:spcBef>
+              <a:buNone/>
+            </a:pPr>
+            <a:endParaRPr dirty="0"/>
+          </a:p>
+          <a:p>
+            <a:pPr lvl="0" rtl="0">
+              <a:spcBef>
+                <a:spcPts val="0"/>
+              </a:spcBef>
+              <a:buNone/>
+            </a:pPr>
+            <a:r>
+              <a:rPr lang="en" dirty="0"/>
+              <a:t>class </a:t>
+            </a:r>
+            <a:r>
+              <a:rPr lang="en" dirty="0" err="1"/>
+              <a:t>WholeStructureEnergy</a:t>
+            </a:r>
+            <a:r>
+              <a:rPr lang="en" dirty="0"/>
+              <a:t> : public </a:t>
+            </a:r>
+            <a:r>
+              <a:rPr lang="en" dirty="0" err="1"/>
+              <a:t>EnergyMethod</a:t>
+            </a:r>
+            <a:r>
+              <a:rPr lang="en" dirty="0"/>
+              <a:t> {...};</a:t>
+            </a:r>
+          </a:p>
+        </p:txBody>
+      </p:sp>
+    </p:spTree>
+  </p:cSld>
+  <p:clrMapOvr>
+    <a:masterClrMapping/>
+  </p:clrMapOvr>
+</p:sld>
+</file>
+
+<file path=ppt/slides/slide21.xml><?xml version="1.0" encoding="utf-8"?>
+<p:sld xmlns:a="http://schemas.openxmlformats.org/drawingml/2006/main" xmlns:r="http://schemas.openxmlformats.org/officeDocument/2006/relationships" xmlns:p="http://schemas.openxmlformats.org/presentationml/2006/main">
+  <p:cSld>
+    <p:spTree>
+      <p:nvGrpSpPr>
         <p:cNvPr id="1" name="Shape 359"/>
         <p:cNvGrpSpPr/>
         <p:nvPr/>
@@ -22521,7 +22918,7 @@
 </p:sld>
 </file>
 
-<file path=ppt/slides/slide21.xml><?xml version="1.0" encoding="utf-8"?>
+<file path=ppt/slides/slide22.xml><?xml version="1.0" encoding="utf-8"?>
 <p:sld xmlns:a="http://schemas.openxmlformats.org/drawingml/2006/main" xmlns:r="http://schemas.openxmlformats.org/officeDocument/2006/relationships" xmlns:p="http://schemas.openxmlformats.org/presentationml/2006/main">
   <p:cSld>
     <p:spTree>
@@ -22817,7 +23214,7 @@
 </p:sld>
 </file>
 
-<file path=ppt/slides/slide22.xml><?xml version="1.0" encoding="utf-8"?>
+<file path=ppt/slides/slide23.xml><?xml version="1.0" encoding="utf-8"?>
 <p:sld xmlns:a="http://schemas.openxmlformats.org/drawingml/2006/main" xmlns:r="http://schemas.openxmlformats.org/officeDocument/2006/relationships" xmlns:p="http://schemas.openxmlformats.org/presentationml/2006/main">
   <p:cSld>
     <p:spTree>
@@ -23127,7 +23524,7 @@
 </p:sld>
 </file>
 
-<file path=ppt/slides/slide23.xml><?xml version="1.0" encoding="utf-8"?>
+<file path=ppt/slides/slide24.xml><?xml version="1.0" encoding="utf-8"?>
 <p:sld xmlns:a="http://schemas.openxmlformats.org/drawingml/2006/main" xmlns:r="http://schemas.openxmlformats.org/officeDocument/2006/relationships" xmlns:p="http://schemas.openxmlformats.org/presentationml/2006/main">
   <p:cSld>
     <p:spTree>
@@ -23415,7 +23812,7 @@
 </p:sld>
 </file>
 
-<file path=ppt/slides/slide24.xml><?xml version="1.0" encoding="utf-8"?>
+<file path=ppt/slides/slide25.xml><?xml version="1.0" encoding="utf-8"?>
 <p:sld xmlns:a="http://schemas.openxmlformats.org/drawingml/2006/main" xmlns:r="http://schemas.openxmlformats.org/officeDocument/2006/relationships" xmlns:p="http://schemas.openxmlformats.org/presentationml/2006/main">
   <p:cSld>
     <p:spTree>
@@ -23799,7 +24196,7 @@
 </p:sld>
 </file>
 
-<file path=ppt/slides/slide25.xml><?xml version="1.0" encoding="utf-8"?>
+<file path=ppt/slides/slide26.xml><?xml version="1.0" encoding="utf-8"?>
 <p:sld xmlns:a="http://schemas.openxmlformats.org/drawingml/2006/main" xmlns:r="http://schemas.openxmlformats.org/officeDocument/2006/relationships" xmlns:p="http://schemas.openxmlformats.org/presentationml/2006/main">
   <p:cSld>
     <p:spTree>
@@ -23995,7 +24392,7 @@
 </p:sld>
 </file>
 
-<file path=ppt/slides/slide26.xml><?xml version="1.0" encoding="utf-8"?>
+<file path=ppt/slides/slide27.xml><?xml version="1.0" encoding="utf-8"?>
 <p:sld xmlns:a="http://schemas.openxmlformats.org/drawingml/2006/main" xmlns:r="http://schemas.openxmlformats.org/officeDocument/2006/relationships" xmlns:p="http://schemas.openxmlformats.org/presentationml/2006/main">
   <p:cSld>
     <p:spTree>
@@ -24304,7 +24701,7 @@
 </p:sld>
 </file>
 
-<file path=ppt/slides/slide27.xml><?xml version="1.0" encoding="utf-8"?>
+<file path=ppt/slides/slide28.xml><?xml version="1.0" encoding="utf-8"?>
 <p:sld xmlns:a="http://schemas.openxmlformats.org/drawingml/2006/main" xmlns:r="http://schemas.openxmlformats.org/officeDocument/2006/relationships" xmlns:p="http://schemas.openxmlformats.org/presentationml/2006/main">
   <p:cSld>
     <p:spTree>
@@ -24574,12 +24971,12 @@
 </p:sld>
 </file>
 
-<file path=ppt/slides/slide28.xml><?xml version="1.0" encoding="utf-8"?>
+<file path=ppt/slides/slide29.xml><?xml version="1.0" encoding="utf-8"?>
 <p:sld xmlns:a="http://schemas.openxmlformats.org/drawingml/2006/main" xmlns:r="http://schemas.openxmlformats.org/officeDocument/2006/relationships" xmlns:p="http://schemas.openxmlformats.org/presentationml/2006/main">
   <p:cSld>
     <p:spTree>
       <p:nvGrpSpPr>
-        <p:cNvPr id="1" name="Shape 411"/>
+        <p:cNvPr id="1" name="Shape 282"/>
         <p:cNvGrpSpPr/>
         <p:nvPr/>
       </p:nvGrpSpPr>
@@ -24593,7 +24990,7 @@
       </p:grpSpPr>
       <p:sp>
         <p:nvSpPr>
-          <p:cNvPr id="412" name="Shape 412"/>
+          <p:cNvPr id="283" name="Shape 283"/>
           <p:cNvSpPr txBox="1">
             <a:spLocks noGrp="1"/>
           </p:cNvSpPr>
@@ -24616,7 +25013,7 @@
           </a:bodyPr>
           <a:lstStyle/>
           <a:p>
-            <a:pPr lvl="0" rtl="0">
+            <a:pPr lvl="0">
               <a:spcBef>
                 <a:spcPts val="0"/>
               </a:spcBef>
@@ -24631,7 +25028,7 @@
       </p:sp>
       <p:sp>
         <p:nvSpPr>
-          <p:cNvPr id="413" name="Shape 413"/>
+          <p:cNvPr id="284" name="Shape 284"/>
           <p:cNvSpPr txBox="1">
             <a:spLocks noGrp="1"/>
           </p:cNvSpPr>
@@ -24661,7 +25058,7 @@
               <a:buNone/>
             </a:pPr>
             <a:r>
-              <a:rPr lang="en"/>
+              <a:rPr lang="en" sz="1400" dirty="0"/>
               <a:t>pack/</a:t>
             </a:r>
           </a:p>
@@ -24673,31 +25070,44 @@
               <a:buNone/>
             </a:pPr>
             <a:r>
-              <a:rPr lang="en"/>
-              <a:t>   task/</a:t>
-            </a:r>
-          </a:p>
-          <a:p>
-            <a:pPr lvl="0" rtl="0">
-              <a:spcBef>
-                <a:spcPts val="0"/>
-              </a:spcBef>
-              <a:buNone/>
-            </a:pPr>
-            <a:r>
-              <a:rPr lang="en"/>
-              <a:t>      PackerTask.hh</a:t>
-            </a:r>
-          </a:p>
-          <a:p>
-            <a:pPr lvl="0" rtl="0">
-              <a:spcBef>
-                <a:spcPts val="0"/>
-              </a:spcBef>
-              <a:buNone/>
-            </a:pPr>
-            <a:r>
-              <a:rPr lang="en"/>
+              <a:rPr lang="en" sz="1400" dirty="0">
+                <a:solidFill>
+                  <a:srgbClr val="999999"/>
+                </a:solidFill>
+              </a:rPr>
+              <a:t>   </a:t>
+            </a:r>
+            <a:r>
+              <a:rPr lang="en" sz="1400" dirty="0"/>
+              <a:t>task/</a:t>
+            </a:r>
+          </a:p>
+          <a:p>
+            <a:pPr lvl="0" rtl="0">
+              <a:spcBef>
+                <a:spcPts val="0"/>
+              </a:spcBef>
+              <a:buNone/>
+            </a:pPr>
+            <a:r>
+              <a:rPr lang="en" sz="1400" dirty="0"/>
+              <a:t>      </a:t>
+            </a:r>
+            <a:r>
+              <a:rPr lang="en" sz="1400" dirty="0" err="1"/>
+              <a:t>PackerTask.hh</a:t>
+            </a:r>
+            <a:endParaRPr lang="en" sz="1400" dirty="0"/>
+          </a:p>
+          <a:p>
+            <a:pPr lvl="0" rtl="0">
+              <a:spcBef>
+                <a:spcPts val="0"/>
+              </a:spcBef>
+              <a:buNone/>
+            </a:pPr>
+            <a:r>
+              <a:rPr lang="en" sz="1400" dirty="0"/>
               <a:t>      operation/</a:t>
             </a:r>
           </a:p>
@@ -24709,28 +25119,49 @@
               <a:buNone/>
             </a:pPr>
             <a:r>
-              <a:rPr lang="en"/>
-              <a:t>         TaskOperation.hh</a:t>
-            </a:r>
-          </a:p>
-          <a:p>
-            <a:pPr lvl="0" rtl="0">
-              <a:spcBef>
-                <a:spcPts val="0"/>
-              </a:spcBef>
-              <a:buNone/>
-            </a:pPr>
-            <a:endParaRPr/>
-          </a:p>
-          <a:p>
-            <a:pPr lvl="0" rtl="0">
-              <a:spcBef>
-                <a:spcPts val="0"/>
-              </a:spcBef>
-              <a:buNone/>
-            </a:pPr>
-            <a:r>
-              <a:rPr lang="en"/>
+              <a:rPr lang="en" sz="1400" dirty="0"/>
+              <a:t>         </a:t>
+            </a:r>
+            <a:r>
+              <a:rPr lang="en" sz="1400" dirty="0" err="1"/>
+              <a:t>TaskOperation.hh</a:t>
+            </a:r>
+            <a:endParaRPr lang="en" sz="1400" dirty="0"/>
+          </a:p>
+          <a:p>
+            <a:pPr lvl="0" rtl="0">
+              <a:spcBef>
+                <a:spcPts val="0"/>
+              </a:spcBef>
+              <a:buNone/>
+            </a:pPr>
+            <a:r>
+              <a:rPr lang="en" sz="1400" dirty="0">
+                <a:solidFill>
+                  <a:srgbClr val="999999"/>
+                </a:solidFill>
+              </a:rPr>
+              <a:t>         </a:t>
+            </a:r>
+          </a:p>
+          <a:p>
+            <a:pPr lvl="0" rtl="0">
+              <a:spcBef>
+                <a:spcPts val="0"/>
+              </a:spcBef>
+              <a:buNone/>
+            </a:pPr>
+            <a:endParaRPr sz="1400" dirty="0"/>
+          </a:p>
+          <a:p>
+            <a:pPr lvl="0" rtl="0">
+              <a:spcBef>
+                <a:spcPts val="0"/>
+              </a:spcBef>
+              <a:buNone/>
+            </a:pPr>
+            <a:r>
+              <a:rPr lang="en" sz="1400" dirty="0"/>
               <a:t>optimization/</a:t>
             </a:r>
           </a:p>
@@ -24742,66 +25173,1459 @@
               <a:buNone/>
             </a:pPr>
             <a:r>
-              <a:rPr lang="en"/>
-              <a:t>   AtomTreeMinimizer.hh</a:t>
-            </a:r>
-          </a:p>
-          <a:p>
-            <a:pPr lvl="0" rtl="0">
-              <a:spcBef>
-                <a:spcPts val="0"/>
-              </a:spcBef>
-              <a:buNone/>
-            </a:pPr>
-            <a:r>
-              <a:rPr lang="en"/>
-              <a:t>   CartesianMinimizer.hh</a:t>
-            </a:r>
-          </a:p>
-          <a:p>
-            <a:pPr lvl="0" rtl="0">
-              <a:spcBef>
-                <a:spcPts val="0"/>
-              </a:spcBef>
-              <a:buNone/>
-            </a:pPr>
-            <a:r>
-              <a:rPr lang="en"/>
+              <a:rPr lang="en" sz="1400" dirty="0"/>
               <a:t>   </a:t>
             </a:r>
-          </a:p>
-          <a:p>
-            <a:pPr lvl="0" rtl="0">
-              <a:spcBef>
-                <a:spcPts val="0"/>
-              </a:spcBef>
-              <a:buNone/>
-            </a:pPr>
-            <a:endParaRPr/>
-          </a:p>
-          <a:p>
-            <a:pPr lvl="0" rtl="0">
-              <a:spcBef>
-                <a:spcPts val="0"/>
-              </a:spcBef>
-              <a:buNone/>
-            </a:pPr>
-            <a:r>
-              <a:rPr lang="en"/>
+            <a:r>
+              <a:rPr lang="en" sz="1400" dirty="0" err="1"/>
+              <a:t>AtomTreeMinimizer.hh</a:t>
+            </a:r>
+            <a:endParaRPr lang="en" sz="1400" dirty="0"/>
+          </a:p>
+          <a:p>
+            <a:pPr lvl="0" rtl="0">
+              <a:spcBef>
+                <a:spcPts val="0"/>
+              </a:spcBef>
+              <a:buNone/>
+            </a:pPr>
+            <a:r>
+              <a:rPr lang="en" sz="1400" dirty="0"/>
+              <a:t>   </a:t>
+            </a:r>
+            <a:r>
+              <a:rPr lang="en" sz="1400" dirty="0" err="1"/>
+              <a:t>CartesianMinimizer.hh</a:t>
+            </a:r>
+            <a:endParaRPr lang="en" sz="1400" dirty="0"/>
+          </a:p>
+          <a:p>
+            <a:pPr lvl="0" rtl="0">
+              <a:spcBef>
+                <a:spcPts val="0"/>
+              </a:spcBef>
+              <a:buNone/>
+            </a:pPr>
+            <a:r>
+              <a:rPr lang="en" sz="1400" dirty="0"/>
+              <a:t>   </a:t>
+            </a:r>
+          </a:p>
+          <a:p>
+            <a:pPr lvl="0" rtl="0">
+              <a:spcBef>
+                <a:spcPts val="0"/>
+              </a:spcBef>
+              <a:buNone/>
+            </a:pPr>
+            <a:endParaRPr sz="1400" dirty="0"/>
+          </a:p>
+          <a:p>
+            <a:pPr lvl="0" rtl="0">
+              <a:spcBef>
+                <a:spcPts val="0"/>
+              </a:spcBef>
+              <a:buNone/>
+            </a:pPr>
+            <a:r>
+              <a:rPr lang="en" sz="1400" dirty="0"/>
               <a:t>  </a:t>
             </a:r>
+          </a:p>
+        </p:txBody>
+      </p:sp>
+      <p:pic>
+        <p:nvPicPr>
+          <p:cNvPr id="4" name="Shape 290"/>
+          <p:cNvPicPr preferRelativeResize="0"/>
+          <p:nvPr/>
+        </p:nvPicPr>
+        <p:blipFill>
+          <a:blip r:embed="rId3">
+            <a:alphaModFix/>
+          </a:blip>
+          <a:stretch>
+            <a:fillRect/>
+          </a:stretch>
+        </p:blipFill>
+        <p:spPr>
+          <a:xfrm>
+            <a:off x="4795442" y="884081"/>
+            <a:ext cx="2977258" cy="2028973"/>
+          </a:xfrm>
+          <a:prstGeom prst="rect">
+            <a:avLst/>
+          </a:prstGeom>
+          <a:noFill/>
+          <a:ln>
+            <a:noFill/>
+          </a:ln>
+        </p:spPr>
+      </p:pic>
+      <p:sp>
+        <p:nvSpPr>
+          <p:cNvPr id="2" name="Rectangle 1"/>
+          <p:cNvSpPr/>
+          <p:nvPr/>
+        </p:nvSpPr>
+        <p:spPr>
+          <a:xfrm>
+            <a:off x="89704" y="3580841"/>
+            <a:ext cx="8969455" cy="1384995"/>
+          </a:xfrm>
+          <a:prstGeom prst="rect">
+            <a:avLst/>
+          </a:prstGeom>
+        </p:spPr>
+        <p:txBody>
+          <a:bodyPr wrap="square">
+            <a:spAutoFit/>
+          </a:bodyPr>
+          <a:lstStyle/>
+          <a:p>
+            <a:r>
+              <a:rPr lang="en-US" sz="1200" dirty="0">
+                <a:latin typeface="Courier" charset="0"/>
+                <a:ea typeface="Courier" charset="0"/>
+                <a:cs typeface="Courier" charset="0"/>
+              </a:rPr>
+              <a:t>core::pack::task::</a:t>
+            </a:r>
+            <a:r>
+              <a:rPr lang="en-US" sz="1200" dirty="0" err="1">
+                <a:latin typeface="Courier" charset="0"/>
+                <a:ea typeface="Courier" charset="0"/>
+                <a:cs typeface="Courier" charset="0"/>
+              </a:rPr>
+              <a:t>PackerTaskOP</a:t>
+            </a:r>
+            <a:r>
+              <a:rPr lang="en-US" sz="1200" dirty="0">
+                <a:latin typeface="Courier" charset="0"/>
+                <a:ea typeface="Courier" charset="0"/>
+                <a:cs typeface="Courier" charset="0"/>
+              </a:rPr>
+              <a:t> </a:t>
+            </a:r>
+            <a:r>
+              <a:rPr lang="en-US" sz="1200" dirty="0" err="1">
+                <a:latin typeface="Courier" charset="0"/>
+                <a:ea typeface="Courier" charset="0"/>
+                <a:cs typeface="Courier" charset="0"/>
+              </a:rPr>
+              <a:t>repack_task</a:t>
+            </a:r>
+            <a:r>
+              <a:rPr lang="en-US" sz="1200" dirty="0">
+                <a:latin typeface="Courier" charset="0"/>
+                <a:ea typeface="Courier" charset="0"/>
+                <a:cs typeface="Courier" charset="0"/>
+              </a:rPr>
+              <a:t> </a:t>
+            </a:r>
+            <a:r>
+              <a:rPr lang="en-US" sz="1200" dirty="0" smtClean="0">
+                <a:latin typeface="Courier" charset="0"/>
+                <a:ea typeface="Courier" charset="0"/>
+                <a:cs typeface="Courier" charset="0"/>
+              </a:rPr>
+              <a:t>=            							core</a:t>
+            </a:r>
+            <a:r>
+              <a:rPr lang="en-US" sz="1200" dirty="0">
+                <a:latin typeface="Courier" charset="0"/>
+                <a:ea typeface="Courier" charset="0"/>
+                <a:cs typeface="Courier" charset="0"/>
+              </a:rPr>
+              <a:t>::pack::task::</a:t>
+            </a:r>
+            <a:r>
+              <a:rPr lang="en-US" sz="1200" dirty="0" err="1">
+                <a:latin typeface="Courier" charset="0"/>
+                <a:ea typeface="Courier" charset="0"/>
+                <a:cs typeface="Courier" charset="0"/>
+              </a:rPr>
+              <a:t>TaskFactory</a:t>
+            </a:r>
+            <a:r>
+              <a:rPr lang="en-US" sz="1200" dirty="0">
+                <a:latin typeface="Courier" charset="0"/>
+                <a:ea typeface="Courier" charset="0"/>
+                <a:cs typeface="Courier" charset="0"/>
+              </a:rPr>
+              <a:t>::</a:t>
+            </a:r>
+            <a:r>
+              <a:rPr lang="en-US" sz="1200" dirty="0" err="1">
+                <a:latin typeface="Courier" charset="0"/>
+                <a:ea typeface="Courier" charset="0"/>
+                <a:cs typeface="Courier" charset="0"/>
+              </a:rPr>
+              <a:t>create_packer_task</a:t>
+            </a:r>
+            <a:r>
+              <a:rPr lang="en-US" sz="1200" dirty="0">
+                <a:latin typeface="Courier" charset="0"/>
+                <a:ea typeface="Courier" charset="0"/>
+                <a:cs typeface="Courier" charset="0"/>
+              </a:rPr>
+              <a:t> (*</a:t>
+            </a:r>
+            <a:r>
+              <a:rPr lang="en-US" sz="1200" dirty="0" err="1">
+                <a:latin typeface="Courier" charset="0"/>
+                <a:ea typeface="Courier" charset="0"/>
+                <a:cs typeface="Courier" charset="0"/>
+              </a:rPr>
+              <a:t>mypose</a:t>
+            </a:r>
+            <a:r>
+              <a:rPr lang="en-US" sz="1200" dirty="0">
+                <a:latin typeface="Courier" charset="0"/>
+                <a:ea typeface="Courier" charset="0"/>
+                <a:cs typeface="Courier" charset="0"/>
+              </a:rPr>
+              <a:t>); </a:t>
+            </a:r>
+            <a:endParaRPr lang="en-US" sz="1200" dirty="0" smtClean="0">
+              <a:latin typeface="Courier" charset="0"/>
+              <a:ea typeface="Courier" charset="0"/>
+              <a:cs typeface="Courier" charset="0"/>
+            </a:endParaRPr>
+          </a:p>
+          <a:p>
+            <a:r>
+              <a:rPr lang="en-US" sz="1200" dirty="0" err="1" smtClean="0">
+                <a:latin typeface="Courier" charset="0"/>
+                <a:ea typeface="Courier" charset="0"/>
+                <a:cs typeface="Courier" charset="0"/>
+              </a:rPr>
+              <a:t>repack_task</a:t>
+            </a:r>
+            <a:r>
+              <a:rPr lang="en-US" sz="1200" dirty="0" smtClean="0">
+                <a:latin typeface="Courier" charset="0"/>
+                <a:ea typeface="Courier" charset="0"/>
+                <a:cs typeface="Courier" charset="0"/>
+              </a:rPr>
+              <a:t>-</a:t>
+            </a:r>
+            <a:r>
+              <a:rPr lang="en-US" sz="1200" dirty="0">
+                <a:latin typeface="Courier" charset="0"/>
+                <a:ea typeface="Courier" charset="0"/>
+                <a:cs typeface="Courier" charset="0"/>
+              </a:rPr>
+              <a:t>&gt;</a:t>
+            </a:r>
+            <a:r>
+              <a:rPr lang="en-US" sz="1200" dirty="0" err="1">
+                <a:latin typeface="Courier" charset="0"/>
+                <a:ea typeface="Courier" charset="0"/>
+                <a:cs typeface="Courier" charset="0"/>
+              </a:rPr>
+              <a:t>restrict_to_repacking</a:t>
+            </a:r>
+            <a:r>
+              <a:rPr lang="en-US" sz="1200" dirty="0" smtClean="0">
+                <a:latin typeface="Courier" charset="0"/>
+                <a:ea typeface="Courier" charset="0"/>
+                <a:cs typeface="Courier" charset="0"/>
+              </a:rPr>
+              <a:t>(); </a:t>
+            </a:r>
+          </a:p>
+          <a:p>
+            <a:r>
+              <a:rPr lang="en-US" sz="1200" dirty="0" smtClean="0">
+                <a:latin typeface="Courier" charset="0"/>
+                <a:ea typeface="Courier" charset="0"/>
+                <a:cs typeface="Courier" charset="0"/>
+              </a:rPr>
+              <a:t>core</a:t>
+            </a:r>
+            <a:r>
+              <a:rPr lang="en-US" sz="1200" dirty="0">
+                <a:latin typeface="Courier" charset="0"/>
+                <a:ea typeface="Courier" charset="0"/>
+                <a:cs typeface="Courier" charset="0"/>
+              </a:rPr>
+              <a:t>::pack::</a:t>
+            </a:r>
+            <a:r>
+              <a:rPr lang="en-US" sz="1200" dirty="0" err="1">
+                <a:latin typeface="Courier" charset="0"/>
+                <a:ea typeface="Courier" charset="0"/>
+                <a:cs typeface="Courier" charset="0"/>
+              </a:rPr>
+              <a:t>pack_rotamers</a:t>
+            </a:r>
+            <a:r>
+              <a:rPr lang="en-US" sz="1200" dirty="0">
+                <a:latin typeface="Courier" charset="0"/>
+                <a:ea typeface="Courier" charset="0"/>
+                <a:cs typeface="Courier" charset="0"/>
+              </a:rPr>
+              <a:t>( *</a:t>
+            </a:r>
+            <a:r>
+              <a:rPr lang="en-US" sz="1200" dirty="0" err="1">
+                <a:latin typeface="Courier" charset="0"/>
+                <a:ea typeface="Courier" charset="0"/>
+                <a:cs typeface="Courier" charset="0"/>
+              </a:rPr>
+              <a:t>mypose</a:t>
+            </a:r>
+            <a:r>
+              <a:rPr lang="en-US" sz="1200" dirty="0">
+                <a:latin typeface="Courier" charset="0"/>
+                <a:ea typeface="Courier" charset="0"/>
+                <a:cs typeface="Courier" charset="0"/>
+              </a:rPr>
+              <a:t>, *</a:t>
+            </a:r>
+            <a:r>
+              <a:rPr lang="en-US" sz="1200" dirty="0" err="1">
+                <a:latin typeface="Courier" charset="0"/>
+                <a:ea typeface="Courier" charset="0"/>
+                <a:cs typeface="Courier" charset="0"/>
+              </a:rPr>
+              <a:t>sfxn</a:t>
+            </a:r>
+            <a:r>
+              <a:rPr lang="en-US" sz="1200" dirty="0">
+                <a:latin typeface="Courier" charset="0"/>
+                <a:ea typeface="Courier" charset="0"/>
+                <a:cs typeface="Courier" charset="0"/>
+              </a:rPr>
+              <a:t>, </a:t>
+            </a:r>
+            <a:r>
+              <a:rPr lang="en-US" sz="1200" dirty="0" err="1">
+                <a:latin typeface="Courier" charset="0"/>
+                <a:ea typeface="Courier" charset="0"/>
+                <a:cs typeface="Courier" charset="0"/>
+              </a:rPr>
+              <a:t>repack_task</a:t>
+            </a:r>
+            <a:r>
+              <a:rPr lang="en-US" sz="1200" dirty="0">
+                <a:latin typeface="Courier" charset="0"/>
+                <a:ea typeface="Courier" charset="0"/>
+                <a:cs typeface="Courier" charset="0"/>
+              </a:rPr>
+              <a:t> </a:t>
+            </a:r>
+            <a:r>
+              <a:rPr lang="en-US" sz="1200" dirty="0" smtClean="0">
+                <a:latin typeface="Courier" charset="0"/>
+                <a:ea typeface="Courier" charset="0"/>
+                <a:cs typeface="Courier" charset="0"/>
+              </a:rPr>
+              <a:t>);</a:t>
+            </a:r>
+          </a:p>
+          <a:p>
+            <a:endParaRPr lang="en-US" sz="1200" dirty="0" smtClean="0">
+              <a:latin typeface="Courier" charset="0"/>
+              <a:ea typeface="Courier" charset="0"/>
+              <a:cs typeface="Courier" charset="0"/>
+            </a:endParaRPr>
+          </a:p>
+          <a:p>
+            <a:r>
+              <a:rPr lang="en-US" sz="1200" dirty="0">
+                <a:latin typeface="Courier" charset="0"/>
+                <a:ea typeface="Courier" charset="0"/>
+                <a:cs typeface="Courier" charset="0"/>
+              </a:rPr>
+              <a:t>core::optimization::</a:t>
+            </a:r>
+            <a:r>
+              <a:rPr lang="en-US" sz="1200" dirty="0" err="1">
+                <a:latin typeface="Courier" charset="0"/>
+                <a:ea typeface="Courier" charset="0"/>
+                <a:cs typeface="Courier" charset="0"/>
+              </a:rPr>
+              <a:t>MinimizerOptions</a:t>
+            </a:r>
+            <a:r>
+              <a:rPr lang="en-US" sz="1200" dirty="0">
+                <a:latin typeface="Courier" charset="0"/>
+                <a:ea typeface="Courier" charset="0"/>
+                <a:cs typeface="Courier" charset="0"/>
+              </a:rPr>
+              <a:t> </a:t>
+            </a:r>
+            <a:r>
+              <a:rPr lang="en-US" sz="1200" dirty="0" err="1">
+                <a:latin typeface="Courier" charset="0"/>
+                <a:ea typeface="Courier" charset="0"/>
+                <a:cs typeface="Courier" charset="0"/>
+              </a:rPr>
+              <a:t>min_opts</a:t>
+            </a:r>
+            <a:r>
+              <a:rPr lang="en-US" sz="1200" dirty="0">
+                <a:latin typeface="Courier" charset="0"/>
+                <a:ea typeface="Courier" charset="0"/>
+                <a:cs typeface="Courier" charset="0"/>
+              </a:rPr>
+              <a:t>( "</a:t>
+            </a:r>
+            <a:r>
+              <a:rPr lang="en-US" sz="1200" dirty="0" err="1">
+                <a:latin typeface="Courier" charset="0"/>
+                <a:ea typeface="Courier" charset="0"/>
+                <a:cs typeface="Courier" charset="0"/>
+              </a:rPr>
+              <a:t>lbfgs_armijo_atol</a:t>
+            </a:r>
+            <a:r>
+              <a:rPr lang="en-US" sz="1200" dirty="0">
+                <a:latin typeface="Courier" charset="0"/>
+                <a:ea typeface="Courier" charset="0"/>
+                <a:cs typeface="Courier" charset="0"/>
+              </a:rPr>
+              <a:t>", 0.01, true</a:t>
+            </a:r>
+            <a:r>
+              <a:rPr lang="en-US" sz="1200" dirty="0" smtClean="0">
+                <a:latin typeface="Courier" charset="0"/>
+                <a:ea typeface="Courier" charset="0"/>
+                <a:cs typeface="Courier" charset="0"/>
+              </a:rPr>
+              <a:t>);     </a:t>
+            </a:r>
+            <a:r>
+              <a:rPr lang="en-US" sz="1200" dirty="0">
+                <a:latin typeface="Courier" charset="0"/>
+                <a:ea typeface="Courier" charset="0"/>
+                <a:cs typeface="Courier" charset="0"/>
+              </a:rPr>
+              <a:t>core::optimization::</a:t>
+            </a:r>
+            <a:r>
+              <a:rPr lang="en-US" sz="1200" dirty="0" err="1">
+                <a:latin typeface="Courier" charset="0"/>
+                <a:ea typeface="Courier" charset="0"/>
+                <a:cs typeface="Courier" charset="0"/>
+              </a:rPr>
+              <a:t>AtomTreeMinimizer</a:t>
+            </a:r>
+            <a:r>
+              <a:rPr lang="en-US" sz="1200" dirty="0">
+                <a:latin typeface="Courier" charset="0"/>
+                <a:ea typeface="Courier" charset="0"/>
+                <a:cs typeface="Courier" charset="0"/>
+              </a:rPr>
+              <a:t> </a:t>
+            </a:r>
+            <a:r>
+              <a:rPr lang="en-US" sz="1200" dirty="0" err="1">
+                <a:latin typeface="Courier" charset="0"/>
+                <a:ea typeface="Courier" charset="0"/>
+                <a:cs typeface="Courier" charset="0"/>
+              </a:rPr>
+              <a:t>atm</a:t>
+            </a:r>
+            <a:r>
+              <a:rPr lang="en-US" sz="1200" dirty="0" smtClean="0">
+                <a:latin typeface="Courier" charset="0"/>
+                <a:ea typeface="Courier" charset="0"/>
+                <a:cs typeface="Courier" charset="0"/>
+              </a:rPr>
+              <a:t>;</a:t>
+            </a:r>
+            <a:endParaRPr lang="en-US" sz="1200" dirty="0">
+              <a:latin typeface="Courier" charset="0"/>
+              <a:ea typeface="Courier" charset="0"/>
+              <a:cs typeface="Courier" charset="0"/>
+            </a:endParaRPr>
           </a:p>
         </p:txBody>
       </p:sp>
     </p:spTree>
+    <p:extLst>
+      <p:ext uri="{BB962C8B-B14F-4D97-AF65-F5344CB8AC3E}">
+        <p14:creationId xmlns:p14="http://schemas.microsoft.com/office/powerpoint/2010/main" val="1164374565"/>
+      </p:ext>
+    </p:extLst>
   </p:cSld>
   <p:clrMapOvr>
     <a:masterClrMapping/>
   </p:clrMapOvr>
+  <p:timing>
+    <p:tnLst>
+      <p:par>
+        <p:cTn id="1" dur="indefinite" restart="never" nodeType="tmRoot"/>
+      </p:par>
+    </p:tnLst>
+  </p:timing>
 </p:sld>
 </file>
 
-<file path=ppt/slides/slide29.xml><?xml version="1.0" encoding="utf-8"?>
+<file path=ppt/slides/slide3.xml><?xml version="1.0" encoding="utf-8"?>
+<p:sld xmlns:a="http://schemas.openxmlformats.org/drawingml/2006/main" xmlns:r="http://schemas.openxmlformats.org/officeDocument/2006/relationships" xmlns:p="http://schemas.openxmlformats.org/presentationml/2006/main">
+  <p:cSld>
+    <p:spTree>
+      <p:nvGrpSpPr>
+        <p:cNvPr id="1" name=""/>
+        <p:cNvGrpSpPr/>
+        <p:nvPr/>
+      </p:nvGrpSpPr>
+      <p:grpSpPr>
+        <a:xfrm>
+          <a:off x="0" y="0"/>
+          <a:ext cx="0" cy="0"/>
+          <a:chOff x="0" y="0"/>
+          <a:chExt cx="0" cy="0"/>
+        </a:xfrm>
+      </p:grpSpPr>
+      <p:sp>
+        <p:nvSpPr>
+          <p:cNvPr id="2" name="Title 1"/>
+          <p:cNvSpPr>
+            <a:spLocks noGrp="1"/>
+          </p:cNvSpPr>
+          <p:nvPr>
+            <p:ph type="title"/>
+          </p:nvPr>
+        </p:nvSpPr>
+        <p:spPr/>
+        <p:txBody>
+          <a:bodyPr/>
+          <a:lstStyle/>
+          <a:p>
+            <a:endParaRPr lang="en-US"/>
+          </a:p>
+        </p:txBody>
+      </p:sp>
+      <p:sp>
+        <p:nvSpPr>
+          <p:cNvPr id="3" name="Text Placeholder 2"/>
+          <p:cNvSpPr>
+            <a:spLocks noGrp="1"/>
+          </p:cNvSpPr>
+          <p:nvPr>
+            <p:ph type="body" idx="1"/>
+          </p:nvPr>
+        </p:nvSpPr>
+        <p:spPr/>
+        <p:txBody>
+          <a:bodyPr/>
+          <a:lstStyle/>
+          <a:p>
+            <a:r>
+              <a:rPr lang="en-US" sz="1200" dirty="0"/>
+              <a:t>clang++ -</a:t>
+            </a:r>
+            <a:r>
+              <a:rPr lang="en-US" sz="1200" dirty="0" smtClean="0"/>
+              <a:t>o build/</a:t>
+            </a:r>
+            <a:r>
+              <a:rPr lang="en-US" sz="1200" dirty="0" err="1" smtClean="0"/>
+              <a:t>src</a:t>
+            </a:r>
+            <a:r>
+              <a:rPr lang="en-US" sz="1200" dirty="0" smtClean="0"/>
+              <a:t>/debug/</a:t>
+            </a:r>
+            <a:r>
+              <a:rPr lang="en-US" sz="1200" dirty="0" err="1" smtClean="0"/>
+              <a:t>macos</a:t>
+            </a:r>
+            <a:r>
+              <a:rPr lang="en-US" sz="1200" dirty="0" smtClean="0"/>
+              <a:t>/10.10/64/x86/clang/7.0/default/apps/pilot/</a:t>
+            </a:r>
+            <a:r>
+              <a:rPr lang="en-US" sz="1200" dirty="0" err="1" smtClean="0"/>
+              <a:t>huabaiuw</a:t>
+            </a:r>
+            <a:r>
+              <a:rPr lang="en-US" sz="1200" dirty="0" smtClean="0"/>
+              <a:t>/</a:t>
+            </a:r>
+            <a:r>
+              <a:rPr lang="en-US" sz="1200" dirty="0" err="1" smtClean="0"/>
+              <a:t>split_pose_directly.o</a:t>
+            </a:r>
+            <a:r>
+              <a:rPr lang="en-US" sz="1200" dirty="0" smtClean="0"/>
+              <a:t> </a:t>
+            </a:r>
+            <a:r>
+              <a:rPr lang="en-US" sz="1200" dirty="0"/>
+              <a:t>-c -</a:t>
+            </a:r>
+            <a:r>
+              <a:rPr lang="en-US" sz="1200" dirty="0" err="1"/>
+              <a:t>isystem</a:t>
+            </a:r>
+            <a:r>
+              <a:rPr lang="en-US" sz="1200" dirty="0"/>
+              <a:t> external/boost_1_55_0/ </a:t>
+            </a:r>
+            <a:r>
+              <a:rPr lang="en-US" sz="1200" dirty="0" smtClean="0"/>
+              <a:t>-</a:t>
+            </a:r>
+            <a:r>
+              <a:rPr lang="en-US" sz="1200" dirty="0" err="1" smtClean="0"/>
+              <a:t>isystem</a:t>
+            </a:r>
+            <a:r>
+              <a:rPr lang="en-US" sz="1200" dirty="0" smtClean="0"/>
+              <a:t> </a:t>
+            </a:r>
+            <a:r>
+              <a:rPr lang="en-US" sz="1200" dirty="0"/>
+              <a:t>external/ -</a:t>
+            </a:r>
+            <a:r>
+              <a:rPr lang="en-US" sz="1200" dirty="0" err="1"/>
+              <a:t>isystem</a:t>
+            </a:r>
+            <a:r>
+              <a:rPr lang="en-US" sz="1200" dirty="0"/>
+              <a:t> external/include/ -</a:t>
+            </a:r>
+            <a:r>
+              <a:rPr lang="en-US" sz="1200" dirty="0" err="1"/>
+              <a:t>isystem</a:t>
+            </a:r>
+            <a:r>
+              <a:rPr lang="en-US" sz="1200" dirty="0"/>
+              <a:t> external/</a:t>
+            </a:r>
+            <a:r>
+              <a:rPr lang="en-US" sz="1200" dirty="0" err="1"/>
+              <a:t>dbio</a:t>
+            </a:r>
+            <a:r>
+              <a:rPr lang="en-US" sz="1200" dirty="0"/>
+              <a:t>/ -</a:t>
+            </a:r>
+            <a:r>
+              <a:rPr lang="en-US" sz="1200" dirty="0" err="1"/>
+              <a:t>std</a:t>
+            </a:r>
+            <a:r>
+              <a:rPr lang="en-US" sz="1200" dirty="0"/>
+              <a:t>=</a:t>
+            </a:r>
+            <a:r>
+              <a:rPr lang="en-US" sz="1200" dirty="0" err="1"/>
+              <a:t>c++</a:t>
+            </a:r>
+            <a:r>
+              <a:rPr lang="en-US" sz="1200" dirty="0"/>
+              <a:t>11 -march=core2 -</a:t>
+            </a:r>
+            <a:r>
+              <a:rPr lang="en-US" sz="1200" dirty="0" err="1"/>
+              <a:t>mtune</a:t>
+            </a:r>
+            <a:r>
+              <a:rPr lang="en-US" sz="1200" dirty="0"/>
+              <a:t>=generic -pipe -</a:t>
+            </a:r>
+            <a:r>
+              <a:rPr lang="en-US" sz="1200" dirty="0" err="1"/>
+              <a:t>Qunused</a:t>
+            </a:r>
+            <a:r>
+              <a:rPr lang="en-US" sz="1200" dirty="0"/>
+              <a:t>-arguments </a:t>
+            </a:r>
+            <a:r>
+              <a:rPr lang="en-US" sz="1200" dirty="0" smtClean="0"/>
+              <a:t>-DUNUSUAL_ALLOCATOR_DECLARATION </a:t>
+            </a:r>
+            <a:r>
+              <a:rPr lang="en-US" sz="1200" dirty="0"/>
+              <a:t>-ftemplate-depth-256 -</a:t>
+            </a:r>
+            <a:r>
+              <a:rPr lang="en-US" sz="1200" dirty="0" err="1"/>
+              <a:t>stdlib</a:t>
+            </a:r>
+            <a:r>
+              <a:rPr lang="en-US" sz="1200" dirty="0"/>
+              <a:t>=</a:t>
+            </a:r>
+            <a:r>
+              <a:rPr lang="en-US" sz="1200" dirty="0" err="1"/>
+              <a:t>libstdc</a:t>
+            </a:r>
+            <a:r>
+              <a:rPr lang="en-US" sz="1200" dirty="0"/>
+              <a:t>++ -W -Wall -</a:t>
+            </a:r>
+            <a:r>
+              <a:rPr lang="en-US" sz="1200" dirty="0" err="1"/>
+              <a:t>Wextra</a:t>
+            </a:r>
+            <a:r>
+              <a:rPr lang="en-US" sz="1200" dirty="0"/>
+              <a:t> -pedantic -</a:t>
+            </a:r>
+            <a:r>
+              <a:rPr lang="en-US" sz="1200" dirty="0" err="1"/>
+              <a:t>Werror</a:t>
+            </a:r>
+            <a:r>
+              <a:rPr lang="en-US" sz="1200" dirty="0"/>
+              <a:t> -</a:t>
+            </a:r>
+            <a:r>
+              <a:rPr lang="en-US" sz="1200" dirty="0" err="1"/>
+              <a:t>Wno</a:t>
+            </a:r>
+            <a:r>
+              <a:rPr lang="en-US" sz="1200" dirty="0"/>
+              <a:t>-long-long -</a:t>
+            </a:r>
+            <a:r>
+              <a:rPr lang="en-US" sz="1200" dirty="0" err="1"/>
+              <a:t>Wno</a:t>
+            </a:r>
+            <a:r>
+              <a:rPr lang="en-US" sz="1200" dirty="0"/>
+              <a:t>-strict-aliasing </a:t>
+            </a:r>
+            <a:r>
+              <a:rPr lang="en-US" sz="1200" dirty="0" smtClean="0"/>
+              <a:t>-march=native </a:t>
+            </a:r>
+            <a:r>
+              <a:rPr lang="en-US" sz="1200" dirty="0"/>
+              <a:t>-</a:t>
+            </a:r>
+            <a:r>
+              <a:rPr lang="en-US" sz="1200" dirty="0" err="1"/>
+              <a:t>mtune</a:t>
+            </a:r>
+            <a:r>
+              <a:rPr lang="en-US" sz="1200" dirty="0"/>
+              <a:t>=native -</a:t>
+            </a:r>
+            <a:r>
+              <a:rPr lang="en-US" sz="1200" dirty="0" err="1"/>
+              <a:t>stdlib</a:t>
+            </a:r>
+            <a:r>
+              <a:rPr lang="en-US" sz="1200" dirty="0"/>
+              <a:t>=</a:t>
+            </a:r>
+            <a:r>
+              <a:rPr lang="en-US" sz="1200" dirty="0" err="1"/>
+              <a:t>libc</a:t>
+            </a:r>
+            <a:r>
+              <a:rPr lang="en-US" sz="1200" dirty="0"/>
+              <a:t>++ -</a:t>
+            </a:r>
+            <a:r>
+              <a:rPr lang="en-US" sz="1200" dirty="0" err="1"/>
+              <a:t>Wno</a:t>
+            </a:r>
+            <a:r>
+              <a:rPr lang="en-US" sz="1200" dirty="0"/>
+              <a:t>-unused-variable -O0 -g -DBOOST_ERROR_CODE_HEADER_ONLY -DBOOST_SYSTEM_NO_DEPRECATED </a:t>
+            </a:r>
+            <a:r>
+              <a:rPr lang="en-US" sz="1200" dirty="0" smtClean="0"/>
+              <a:t>-DBOOST_MATH_NO_LONG_DOUBLE_MATH_FUNCTIONS </a:t>
+            </a:r>
+            <a:r>
+              <a:rPr lang="en-US" sz="1200" dirty="0"/>
+              <a:t>-DCXX11 -DPTR_STD </a:t>
+            </a:r>
+            <a:r>
+              <a:rPr lang="en-US" sz="1200" dirty="0">
+                <a:solidFill>
+                  <a:srgbClr val="FF0000"/>
+                </a:solidFill>
+              </a:rPr>
+              <a:t>-</a:t>
+            </a:r>
+            <a:r>
+              <a:rPr lang="en-US" sz="1200" dirty="0" err="1">
+                <a:solidFill>
+                  <a:srgbClr val="FF0000"/>
+                </a:solidFill>
+              </a:rPr>
+              <a:t>Isrc</a:t>
+            </a:r>
+            <a:r>
+              <a:rPr lang="en-US" sz="1200" dirty="0">
+                <a:solidFill>
+                  <a:srgbClr val="FF0000"/>
+                </a:solidFill>
+              </a:rPr>
+              <a:t> </a:t>
+            </a:r>
+            <a:r>
+              <a:rPr lang="en-US" sz="1200" dirty="0"/>
+              <a:t>-</a:t>
+            </a:r>
+            <a:r>
+              <a:rPr lang="en-US" sz="1200" dirty="0" err="1"/>
+              <a:t>Iexternal</a:t>
+            </a:r>
+            <a:r>
+              <a:rPr lang="en-US" sz="1200" dirty="0"/>
+              <a:t>/include -</a:t>
+            </a:r>
+            <a:r>
+              <a:rPr lang="en-US" sz="1200" dirty="0" err="1"/>
+              <a:t>Isrc</a:t>
+            </a:r>
+            <a:r>
+              <a:rPr lang="en-US" sz="1200" dirty="0"/>
+              <a:t>/platform/</a:t>
+            </a:r>
+            <a:r>
+              <a:rPr lang="en-US" sz="1200" dirty="0" err="1"/>
+              <a:t>macos</a:t>
+            </a:r>
+            <a:r>
+              <a:rPr lang="en-US" sz="1200" dirty="0"/>
+              <a:t>/64/clang/7.0 -</a:t>
+            </a:r>
+            <a:r>
+              <a:rPr lang="en-US" sz="1200" dirty="0" err="1" smtClean="0"/>
+              <a:t>Isrc</a:t>
+            </a:r>
+            <a:r>
+              <a:rPr lang="en-US" sz="1200" dirty="0" smtClean="0"/>
+              <a:t>/platform/</a:t>
+            </a:r>
+            <a:r>
+              <a:rPr lang="en-US" sz="1200" dirty="0" err="1" smtClean="0"/>
+              <a:t>macos</a:t>
+            </a:r>
+            <a:r>
+              <a:rPr lang="en-US" sz="1200" dirty="0" smtClean="0"/>
+              <a:t>/64/clang </a:t>
+            </a:r>
+            <a:r>
+              <a:rPr lang="en-US" sz="1200" dirty="0"/>
+              <a:t>-</a:t>
+            </a:r>
+            <a:r>
+              <a:rPr lang="en-US" sz="1200" dirty="0" err="1"/>
+              <a:t>Isrc</a:t>
+            </a:r>
+            <a:r>
+              <a:rPr lang="en-US" sz="1200" dirty="0"/>
+              <a:t>/platform/</a:t>
+            </a:r>
+            <a:r>
+              <a:rPr lang="en-US" sz="1200" dirty="0" err="1"/>
+              <a:t>macos</a:t>
+            </a:r>
+            <a:r>
+              <a:rPr lang="en-US" sz="1200" dirty="0"/>
+              <a:t>/64 -</a:t>
+            </a:r>
+            <a:r>
+              <a:rPr lang="en-US" sz="1200" dirty="0" err="1"/>
+              <a:t>Isrc</a:t>
+            </a:r>
+            <a:r>
+              <a:rPr lang="en-US" sz="1200" dirty="0"/>
+              <a:t>/platform/</a:t>
+            </a:r>
+            <a:r>
+              <a:rPr lang="en-US" sz="1200" dirty="0" err="1"/>
+              <a:t>macos</a:t>
+            </a:r>
+            <a:r>
+              <a:rPr lang="en-US" sz="1200" dirty="0"/>
+              <a:t> </a:t>
+            </a:r>
+            <a:r>
+              <a:rPr lang="en-US" sz="1200" dirty="0">
+                <a:solidFill>
+                  <a:srgbClr val="FF0000"/>
+                </a:solidFill>
+              </a:rPr>
+              <a:t>-</a:t>
+            </a:r>
+            <a:r>
+              <a:rPr lang="en-US" sz="1200" dirty="0" err="1">
+                <a:solidFill>
+                  <a:srgbClr val="FF0000"/>
+                </a:solidFill>
+              </a:rPr>
+              <a:t>Iexternal</a:t>
+            </a:r>
+            <a:r>
+              <a:rPr lang="en-US" sz="1200" dirty="0">
+                <a:solidFill>
+                  <a:srgbClr val="FF0000"/>
+                </a:solidFill>
+              </a:rPr>
+              <a:t>/boost_1_55_0 </a:t>
+            </a:r>
+            <a:r>
+              <a:rPr lang="en-US" sz="1200" dirty="0"/>
+              <a:t>-</a:t>
+            </a:r>
+            <a:r>
+              <a:rPr lang="en-US" sz="1200" dirty="0" err="1"/>
+              <a:t>Iexternal</a:t>
+            </a:r>
+            <a:r>
+              <a:rPr lang="en-US" sz="1200" dirty="0"/>
+              <a:t>/libxml2/include -</a:t>
+            </a:r>
+            <a:r>
+              <a:rPr lang="en-US" sz="1200" dirty="0" err="1"/>
+              <a:t>Iexternal</a:t>
+            </a:r>
+            <a:r>
+              <a:rPr lang="en-US" sz="1200" dirty="0"/>
+              <a:t> -</a:t>
+            </a:r>
+            <a:r>
+              <a:rPr lang="en-US" sz="1200" dirty="0" err="1"/>
+              <a:t>Iexternal</a:t>
+            </a:r>
+            <a:r>
+              <a:rPr lang="en-US" sz="1200" dirty="0"/>
+              <a:t>/</a:t>
+            </a:r>
+            <a:r>
+              <a:rPr lang="en-US" sz="1200" dirty="0" err="1"/>
+              <a:t>dbio</a:t>
+            </a:r>
+            <a:r>
+              <a:rPr lang="en-US" sz="1200" dirty="0"/>
+              <a:t> -I/</a:t>
+            </a:r>
+            <a:r>
+              <a:rPr lang="en-US" sz="1200" dirty="0" err="1"/>
+              <a:t>usr</a:t>
+            </a:r>
+            <a:r>
+              <a:rPr lang="en-US" sz="1200" dirty="0"/>
+              <a:t>/include -I/  </a:t>
+            </a:r>
+            <a:r>
+              <a:rPr lang="en-US" sz="1200" dirty="0" err="1"/>
+              <a:t>usr</a:t>
+            </a:r>
+            <a:r>
+              <a:rPr lang="en-US" sz="1200" dirty="0"/>
+              <a:t>/local/include </a:t>
+            </a:r>
+            <a:r>
+              <a:rPr lang="en-US" sz="1200" dirty="0" err="1" smtClean="0"/>
+              <a:t>src</a:t>
+            </a:r>
+            <a:r>
+              <a:rPr lang="en-US" sz="1200" dirty="0" smtClean="0"/>
+              <a:t>/apps/pilot/</a:t>
+            </a:r>
+            <a:r>
+              <a:rPr lang="en-US" sz="1200" dirty="0" err="1" smtClean="0"/>
+              <a:t>huabaiuw</a:t>
+            </a:r>
+            <a:r>
+              <a:rPr lang="en-US" sz="1200" dirty="0" smtClean="0"/>
+              <a:t>/</a:t>
+            </a:r>
+            <a:r>
+              <a:rPr lang="en-US" sz="1200" dirty="0" err="1" smtClean="0"/>
+              <a:t>split_pose_directly.cc</a:t>
+            </a:r>
+            <a:endParaRPr lang="en-US" sz="1200" dirty="0" smtClean="0"/>
+          </a:p>
+          <a:p>
+            <a:endParaRPr lang="en-US" sz="1200" dirty="0" smtClean="0"/>
+          </a:p>
+          <a:p>
+            <a:r>
+              <a:rPr lang="en-US" sz="1200" dirty="0" smtClean="0"/>
+              <a:t>clang</a:t>
+            </a:r>
+            <a:r>
+              <a:rPr lang="en-US" sz="1200" dirty="0"/>
+              <a:t>++ -o </a:t>
+            </a:r>
+            <a:r>
+              <a:rPr lang="en-US" sz="1200" dirty="0" smtClean="0"/>
+              <a:t>build/</a:t>
+            </a:r>
+            <a:r>
+              <a:rPr lang="en-US" sz="1200" dirty="0" err="1" smtClean="0"/>
+              <a:t>src</a:t>
+            </a:r>
+            <a:r>
+              <a:rPr lang="en-US" sz="1200" dirty="0" smtClean="0"/>
+              <a:t>/debug/</a:t>
+            </a:r>
+            <a:r>
+              <a:rPr lang="en-US" sz="1200" dirty="0" err="1" smtClean="0"/>
+              <a:t>macos</a:t>
+            </a:r>
+            <a:r>
+              <a:rPr lang="en-US" sz="1200" dirty="0" smtClean="0"/>
+              <a:t>/10.10/64/x86/clang/7.0/default/</a:t>
+            </a:r>
+            <a:r>
+              <a:rPr lang="en-US" sz="1200" dirty="0" err="1" smtClean="0"/>
+              <a:t>split_pose_directly.default.macosclangdebug</a:t>
+            </a:r>
+            <a:r>
+              <a:rPr lang="en-US" sz="1200" dirty="0" smtClean="0"/>
+              <a:t> </a:t>
+            </a:r>
+            <a:r>
+              <a:rPr lang="en-US" sz="1200" dirty="0"/>
+              <a:t>-</a:t>
+            </a:r>
+            <a:r>
+              <a:rPr lang="en-US" sz="1200" dirty="0" err="1"/>
+              <a:t>stdlib</a:t>
+            </a:r>
+            <a:r>
+              <a:rPr lang="en-US" sz="1200" dirty="0"/>
+              <a:t>=</a:t>
+            </a:r>
+            <a:r>
+              <a:rPr lang="en-US" sz="1200" dirty="0" err="1"/>
+              <a:t>libc</a:t>
+            </a:r>
+            <a:r>
+              <a:rPr lang="en-US" sz="1200" dirty="0"/>
+              <a:t>++ </a:t>
+            </a:r>
+            <a:r>
+              <a:rPr lang="en-US" sz="1200" dirty="0" smtClean="0"/>
+              <a:t>build/</a:t>
+            </a:r>
+            <a:r>
+              <a:rPr lang="en-US" sz="1200" dirty="0" err="1" smtClean="0"/>
+              <a:t>src</a:t>
+            </a:r>
+            <a:r>
+              <a:rPr lang="en-US" sz="1200" dirty="0" smtClean="0"/>
+              <a:t>/debug/</a:t>
+            </a:r>
+            <a:r>
+              <a:rPr lang="en-US" sz="1200" dirty="0" err="1" smtClean="0"/>
+              <a:t>macos</a:t>
+            </a:r>
+            <a:r>
+              <a:rPr lang="en-US" sz="1200" dirty="0" smtClean="0"/>
+              <a:t>/10.10/64/x86/clang/7.0/default/apps/pilot/</a:t>
+            </a:r>
+            <a:r>
+              <a:rPr lang="en-US" sz="1200" dirty="0" err="1" smtClean="0"/>
+              <a:t>huabaiuw</a:t>
+            </a:r>
+            <a:r>
+              <a:rPr lang="en-US" sz="1200" dirty="0" smtClean="0"/>
+              <a:t>/</a:t>
+            </a:r>
+            <a:r>
+              <a:rPr lang="en-US" sz="1200" dirty="0" err="1" smtClean="0"/>
+              <a:t>split_pose_directly.o</a:t>
+            </a:r>
+            <a:r>
+              <a:rPr lang="en-US" sz="1200" dirty="0" smtClean="0"/>
+              <a:t> </a:t>
+            </a:r>
+            <a:r>
+              <a:rPr lang="en-US" sz="1200" dirty="0">
+                <a:solidFill>
+                  <a:srgbClr val="FF0000"/>
+                </a:solidFill>
+              </a:rPr>
+              <a:t>-</a:t>
+            </a:r>
+            <a:r>
+              <a:rPr lang="en-US" sz="1200" dirty="0" err="1">
+                <a:solidFill>
+                  <a:srgbClr val="FF0000"/>
+                </a:solidFill>
+              </a:rPr>
+              <a:t>Lexternal</a:t>
+            </a:r>
+            <a:r>
+              <a:rPr lang="en-US" sz="1200" dirty="0">
+                <a:solidFill>
+                  <a:srgbClr val="FF0000"/>
+                </a:solidFill>
+              </a:rPr>
+              <a:t>/lib -</a:t>
+            </a:r>
+            <a:r>
+              <a:rPr lang="en-US" sz="1200" dirty="0" err="1">
+                <a:solidFill>
+                  <a:srgbClr val="FF0000"/>
+                </a:solidFill>
+              </a:rPr>
+              <a:t>Lbuild</a:t>
+            </a:r>
+            <a:r>
+              <a:rPr lang="en-US" sz="1200" dirty="0">
+                <a:solidFill>
+                  <a:srgbClr val="FF0000"/>
+                </a:solidFill>
+              </a:rPr>
+              <a:t>/</a:t>
+            </a:r>
+            <a:r>
+              <a:rPr lang="en-US" sz="1200" dirty="0" err="1">
+                <a:solidFill>
+                  <a:srgbClr val="FF0000"/>
+                </a:solidFill>
+              </a:rPr>
+              <a:t>src</a:t>
+            </a:r>
+            <a:r>
+              <a:rPr lang="en-US" sz="1200" dirty="0">
+                <a:solidFill>
+                  <a:srgbClr val="FF0000"/>
+                </a:solidFill>
+              </a:rPr>
+              <a:t>/debug/</a:t>
+            </a:r>
+            <a:r>
+              <a:rPr lang="en-US" sz="1200" dirty="0" err="1">
+                <a:solidFill>
+                  <a:srgbClr val="FF0000"/>
+                </a:solidFill>
+              </a:rPr>
+              <a:t>macos</a:t>
+            </a:r>
+            <a:r>
+              <a:rPr lang="en-US" sz="1200" dirty="0">
+                <a:solidFill>
+                  <a:srgbClr val="FF0000"/>
+                </a:solidFill>
+              </a:rPr>
+              <a:t>/10.10/64/x86/clang/7.0/default -</a:t>
+            </a:r>
+            <a:r>
+              <a:rPr lang="en-US" sz="1200" dirty="0" err="1">
+                <a:solidFill>
+                  <a:srgbClr val="FF0000"/>
+                </a:solidFill>
+              </a:rPr>
+              <a:t>Lsrc</a:t>
+            </a:r>
+            <a:r>
+              <a:rPr lang="en-US" sz="1200" dirty="0">
+                <a:solidFill>
+                  <a:srgbClr val="FF0000"/>
+                </a:solidFill>
+              </a:rPr>
+              <a:t> </a:t>
+            </a:r>
+            <a:r>
+              <a:rPr lang="en-US" sz="1200" dirty="0" smtClean="0">
+                <a:solidFill>
+                  <a:srgbClr val="FF0000"/>
+                </a:solidFill>
+              </a:rPr>
+              <a:t>-</a:t>
+            </a:r>
+            <a:r>
+              <a:rPr lang="en-US" sz="1200" dirty="0" err="1" smtClean="0">
+                <a:solidFill>
+                  <a:srgbClr val="FF0000"/>
+                </a:solidFill>
+              </a:rPr>
+              <a:t>Lbuild</a:t>
+            </a:r>
+            <a:r>
+              <a:rPr lang="en-US" sz="1200" dirty="0" smtClean="0">
+                <a:solidFill>
+                  <a:srgbClr val="FF0000"/>
+                </a:solidFill>
+              </a:rPr>
+              <a:t>/external/debug/</a:t>
+            </a:r>
+            <a:r>
+              <a:rPr lang="en-US" sz="1200" dirty="0" err="1" smtClean="0">
+                <a:solidFill>
+                  <a:srgbClr val="FF0000"/>
+                </a:solidFill>
+              </a:rPr>
+              <a:t>macos</a:t>
+            </a:r>
+            <a:r>
+              <a:rPr lang="en-US" sz="1200" dirty="0" smtClean="0">
+                <a:solidFill>
+                  <a:srgbClr val="FF0000"/>
+                </a:solidFill>
+              </a:rPr>
+              <a:t>/10.10/64/x86/clang/7</a:t>
+            </a:r>
+            <a:r>
+              <a:rPr lang="en-US" sz="1200" dirty="0">
+                <a:solidFill>
+                  <a:srgbClr val="FF0000"/>
+                </a:solidFill>
+              </a:rPr>
+              <a:t>. 0/default -</a:t>
+            </a:r>
+            <a:r>
+              <a:rPr lang="en-US" sz="1200" dirty="0" err="1">
+                <a:solidFill>
+                  <a:srgbClr val="FF0000"/>
+                </a:solidFill>
+              </a:rPr>
+              <a:t>Lexternal</a:t>
+            </a:r>
+            <a:r>
+              <a:rPr lang="en-US" sz="1200" dirty="0">
+                <a:solidFill>
+                  <a:srgbClr val="FF0000"/>
+                </a:solidFill>
+              </a:rPr>
+              <a:t> -L/</a:t>
+            </a:r>
+            <a:r>
+              <a:rPr lang="en-US" sz="1200" dirty="0" err="1">
+                <a:solidFill>
+                  <a:srgbClr val="FF0000"/>
+                </a:solidFill>
+              </a:rPr>
+              <a:t>usr</a:t>
+            </a:r>
+            <a:r>
+              <a:rPr lang="en-US" sz="1200" dirty="0">
+                <a:solidFill>
+                  <a:srgbClr val="FF0000"/>
+                </a:solidFill>
+              </a:rPr>
+              <a:t>/lib -</a:t>
+            </a:r>
+            <a:r>
+              <a:rPr lang="en-US" sz="1200" dirty="0" err="1">
+                <a:solidFill>
+                  <a:srgbClr val="FF0000"/>
+                </a:solidFill>
+              </a:rPr>
+              <a:t>ldevel</a:t>
+            </a:r>
+            <a:r>
+              <a:rPr lang="en-US" sz="1200" dirty="0">
+                <a:solidFill>
+                  <a:srgbClr val="FF0000"/>
+                </a:solidFill>
+              </a:rPr>
+              <a:t> -lprotocols.7 -lprotocols.6 -lprotocols_e.5 -lprotocols_d.5 -lprotocols_c.5 -lprotocols_b.5 -</a:t>
+            </a:r>
+            <a:r>
+              <a:rPr lang="en-US" sz="1200" dirty="0" err="1">
+                <a:solidFill>
+                  <a:srgbClr val="FF0000"/>
+                </a:solidFill>
+              </a:rPr>
+              <a:t>lprotocols_a</a:t>
+            </a:r>
+            <a:r>
+              <a:rPr lang="en-US" sz="1200" dirty="0">
+                <a:solidFill>
+                  <a:srgbClr val="FF0000"/>
+                </a:solidFill>
+              </a:rPr>
+              <a:t>.   5 -lprotocols_h.4 -lprotocols_g.4 -lprotocols_f.4 -lprotocols_e.4 -lprotocols_d.4 -lprotocols_c.4 -lprotocols_b.4 -lprotocols_a.4 -lprotocols.3 -    lprotocols_b.2 -lprotocols_a.2 -lprotocols.1 -lcore.5 -lcore.4 -lcore.3 -lcore.2 -lcore.1 -</a:t>
+            </a:r>
+            <a:r>
+              <a:rPr lang="en-US" sz="1200" dirty="0" err="1">
+                <a:solidFill>
+                  <a:srgbClr val="FF0000"/>
+                </a:solidFill>
+              </a:rPr>
+              <a:t>lbasic</a:t>
+            </a:r>
+            <a:r>
+              <a:rPr lang="en-US" sz="1200" dirty="0">
+                <a:solidFill>
+                  <a:srgbClr val="FF0000"/>
+                </a:solidFill>
+              </a:rPr>
+              <a:t> -</a:t>
+            </a:r>
+            <a:r>
+              <a:rPr lang="en-US" sz="1200" dirty="0" err="1">
+                <a:solidFill>
+                  <a:srgbClr val="FF0000"/>
+                </a:solidFill>
+              </a:rPr>
+              <a:t>lnumeric</a:t>
+            </a:r>
+            <a:r>
+              <a:rPr lang="en-US" sz="1200" dirty="0">
+                <a:solidFill>
+                  <a:srgbClr val="FF0000"/>
+                </a:solidFill>
+              </a:rPr>
+              <a:t> -</a:t>
+            </a:r>
+            <a:r>
+              <a:rPr lang="en-US" sz="1200" dirty="0" err="1">
+                <a:solidFill>
+                  <a:srgbClr val="FF0000"/>
+                </a:solidFill>
+              </a:rPr>
+              <a:t>lutility</a:t>
+            </a:r>
+            <a:r>
+              <a:rPr lang="en-US" sz="1200" dirty="0">
+                <a:solidFill>
+                  <a:srgbClr val="FF0000"/>
+                </a:solidFill>
+              </a:rPr>
+              <a:t> -</a:t>
+            </a:r>
+            <a:r>
+              <a:rPr lang="en-US" sz="1200" dirty="0" err="1">
+                <a:solidFill>
+                  <a:srgbClr val="FF0000"/>
+                </a:solidFill>
+              </a:rPr>
+              <a:t>lObjexxFCL</a:t>
+            </a:r>
+            <a:r>
+              <a:rPr lang="en-US" sz="1200" dirty="0">
+                <a:solidFill>
+                  <a:srgbClr val="FF0000"/>
+                </a:solidFill>
+              </a:rPr>
+              <a:t> -</a:t>
+            </a:r>
+            <a:r>
+              <a:rPr lang="en-US" sz="1200" dirty="0" err="1">
+                <a:solidFill>
+                  <a:srgbClr val="FF0000"/>
+                </a:solidFill>
+              </a:rPr>
+              <a:t>lz</a:t>
+            </a:r>
+            <a:r>
+              <a:rPr lang="en-US" sz="1200" dirty="0">
+                <a:solidFill>
+                  <a:srgbClr val="FF0000"/>
+                </a:solidFill>
+              </a:rPr>
+              <a:t> -</a:t>
+            </a:r>
+            <a:r>
+              <a:rPr lang="en-US" sz="1200" dirty="0" err="1">
+                <a:solidFill>
+                  <a:srgbClr val="FF0000"/>
+                </a:solidFill>
+              </a:rPr>
+              <a:t>lcppdb</a:t>
+            </a:r>
+            <a:r>
+              <a:rPr lang="en-US" sz="1200" dirty="0">
+                <a:solidFill>
+                  <a:srgbClr val="FF0000"/>
+                </a:solidFill>
+              </a:rPr>
+              <a:t> </a:t>
+            </a:r>
+            <a:r>
+              <a:rPr lang="en-US" sz="1200" dirty="0" smtClean="0">
+                <a:solidFill>
+                  <a:srgbClr val="FF0000"/>
+                </a:solidFill>
+              </a:rPr>
+              <a:t>-lsqlite3 </a:t>
+            </a:r>
+            <a:r>
+              <a:rPr lang="en-US" sz="1200" dirty="0">
+                <a:solidFill>
+                  <a:srgbClr val="FF0000"/>
+                </a:solidFill>
+              </a:rPr>
+              <a:t>-</a:t>
+            </a:r>
+            <a:r>
+              <a:rPr lang="en-US" sz="1200" dirty="0" err="1">
+                <a:solidFill>
+                  <a:srgbClr val="FF0000"/>
+                </a:solidFill>
+              </a:rPr>
+              <a:t>lz</a:t>
+            </a:r>
+            <a:r>
+              <a:rPr lang="en-US" sz="1200" dirty="0">
+                <a:solidFill>
+                  <a:srgbClr val="FF0000"/>
+                </a:solidFill>
+              </a:rPr>
+              <a:t> -</a:t>
+            </a:r>
+            <a:r>
+              <a:rPr lang="en-US" sz="1200" dirty="0" err="1">
+                <a:solidFill>
+                  <a:srgbClr val="FF0000"/>
+                </a:solidFill>
+              </a:rPr>
+              <a:t>lcppdb</a:t>
+            </a:r>
+            <a:r>
+              <a:rPr lang="en-US" sz="1200" dirty="0">
+                <a:solidFill>
+                  <a:srgbClr val="FF0000"/>
+                </a:solidFill>
+              </a:rPr>
+              <a:t> -lsqlite3 -</a:t>
+            </a:r>
+            <a:r>
+              <a:rPr lang="en-US" sz="1200" dirty="0" err="1">
+                <a:solidFill>
+                  <a:srgbClr val="FF0000"/>
+                </a:solidFill>
+              </a:rPr>
+              <a:t>lcifparse</a:t>
+            </a:r>
+            <a:r>
+              <a:rPr lang="en-US" sz="1200" dirty="0">
+                <a:solidFill>
+                  <a:srgbClr val="FF0000"/>
+                </a:solidFill>
+              </a:rPr>
+              <a:t> -lxml2</a:t>
+            </a:r>
+          </a:p>
+        </p:txBody>
+      </p:sp>
+    </p:spTree>
+    <p:extLst>
+      <p:ext uri="{BB962C8B-B14F-4D97-AF65-F5344CB8AC3E}">
+        <p14:creationId xmlns:p14="http://schemas.microsoft.com/office/powerpoint/2010/main" val="832181709"/>
+      </p:ext>
+    </p:extLst>
+  </p:cSld>
+  <p:clrMapOvr>
+    <a:masterClrMapping/>
+  </p:clrMapOvr>
+  <p:timing>
+    <p:tnLst>
+      <p:par>
+        <p:cTn id="1" dur="indefinite" restart="never" nodeType="tmRoot"/>
+      </p:par>
+    </p:tnLst>
+  </p:timing>
+</p:sld>
+</file>
+
+<file path=ppt/slides/slide30.xml><?xml version="1.0" encoding="utf-8"?>
 <p:sld xmlns:a="http://schemas.openxmlformats.org/drawingml/2006/main" xmlns:r="http://schemas.openxmlformats.org/officeDocument/2006/relationships" xmlns:p="http://schemas.openxmlformats.org/presentationml/2006/main">
   <p:cSld>
     <p:spTree>
@@ -24962,1116 +26786,6 @@
       <p:pic>
         <p:nvPicPr>
           <p:cNvPr id="420" name="Shape 420"/>
-          <p:cNvPicPr preferRelativeResize="0"/>
-          <p:nvPr/>
-        </p:nvPicPr>
-        <p:blipFill>
-          <a:blip r:embed="rId3">
-            <a:alphaModFix/>
-          </a:blip>
-          <a:stretch>
-            <a:fillRect/>
-          </a:stretch>
-        </p:blipFill>
-        <p:spPr>
-          <a:xfrm>
-            <a:off x="4995954" y="2667625"/>
-            <a:ext cx="2680700" cy="2064199"/>
-          </a:xfrm>
-          <a:prstGeom prst="rect">
-            <a:avLst/>
-          </a:prstGeom>
-          <a:noFill/>
-          <a:ln>
-            <a:noFill/>
-          </a:ln>
-        </p:spPr>
-      </p:pic>
-    </p:spTree>
-  </p:cSld>
-  <p:clrMapOvr>
-    <a:masterClrMapping/>
-  </p:clrMapOvr>
-</p:sld>
-</file>
-
-<file path=ppt/slides/slide3.xml><?xml version="1.0" encoding="utf-8"?>
-<p:sld xmlns:a="http://schemas.openxmlformats.org/drawingml/2006/main" xmlns:r="http://schemas.openxmlformats.org/officeDocument/2006/relationships" xmlns:p="http://schemas.openxmlformats.org/presentationml/2006/main">
-  <p:cSld>
-    <p:spTree>
-      <p:nvGrpSpPr>
-        <p:cNvPr id="1" name=""/>
-        <p:cNvGrpSpPr/>
-        <p:nvPr/>
-      </p:nvGrpSpPr>
-      <p:grpSpPr>
-        <a:xfrm>
-          <a:off x="0" y="0"/>
-          <a:ext cx="0" cy="0"/>
-          <a:chOff x="0" y="0"/>
-          <a:chExt cx="0" cy="0"/>
-        </a:xfrm>
-      </p:grpSpPr>
-      <p:sp>
-        <p:nvSpPr>
-          <p:cNvPr id="2" name="Title 1"/>
-          <p:cNvSpPr>
-            <a:spLocks noGrp="1"/>
-          </p:cNvSpPr>
-          <p:nvPr>
-            <p:ph type="title"/>
-          </p:nvPr>
-        </p:nvSpPr>
-        <p:spPr/>
-        <p:txBody>
-          <a:bodyPr/>
-          <a:lstStyle/>
-          <a:p>
-            <a:endParaRPr lang="en-US"/>
-          </a:p>
-        </p:txBody>
-      </p:sp>
-      <p:sp>
-        <p:nvSpPr>
-          <p:cNvPr id="3" name="Text Placeholder 2"/>
-          <p:cNvSpPr>
-            <a:spLocks noGrp="1"/>
-          </p:cNvSpPr>
-          <p:nvPr>
-            <p:ph type="body" idx="1"/>
-          </p:nvPr>
-        </p:nvSpPr>
-        <p:spPr/>
-        <p:txBody>
-          <a:bodyPr/>
-          <a:lstStyle/>
-          <a:p>
-            <a:r>
-              <a:rPr lang="en-US" sz="1200" dirty="0"/>
-              <a:t>clang++ -</a:t>
-            </a:r>
-            <a:r>
-              <a:rPr lang="en-US" sz="1200" dirty="0" smtClean="0"/>
-              <a:t>o build/</a:t>
-            </a:r>
-            <a:r>
-              <a:rPr lang="en-US" sz="1200" dirty="0" err="1" smtClean="0"/>
-              <a:t>src</a:t>
-            </a:r>
-            <a:r>
-              <a:rPr lang="en-US" sz="1200" dirty="0" smtClean="0"/>
-              <a:t>/debug/</a:t>
-            </a:r>
-            <a:r>
-              <a:rPr lang="en-US" sz="1200" dirty="0" err="1" smtClean="0"/>
-              <a:t>macos</a:t>
-            </a:r>
-            <a:r>
-              <a:rPr lang="en-US" sz="1200" dirty="0" smtClean="0"/>
-              <a:t>/10.10/64/x86/clang/7.0/default/apps/pilot/</a:t>
-            </a:r>
-            <a:r>
-              <a:rPr lang="en-US" sz="1200" dirty="0" err="1" smtClean="0"/>
-              <a:t>huabaiuw</a:t>
-            </a:r>
-            <a:r>
-              <a:rPr lang="en-US" sz="1200" dirty="0" smtClean="0"/>
-              <a:t>/</a:t>
-            </a:r>
-            <a:r>
-              <a:rPr lang="en-US" sz="1200" dirty="0" err="1" smtClean="0"/>
-              <a:t>split_pose_directly.o</a:t>
-            </a:r>
-            <a:r>
-              <a:rPr lang="en-US" sz="1200" dirty="0" smtClean="0"/>
-              <a:t> </a:t>
-            </a:r>
-            <a:r>
-              <a:rPr lang="en-US" sz="1200" dirty="0"/>
-              <a:t>-c -</a:t>
-            </a:r>
-            <a:r>
-              <a:rPr lang="en-US" sz="1200" dirty="0" err="1"/>
-              <a:t>isystem</a:t>
-            </a:r>
-            <a:r>
-              <a:rPr lang="en-US" sz="1200" dirty="0"/>
-              <a:t> external/boost_1_55_0/ </a:t>
-            </a:r>
-            <a:r>
-              <a:rPr lang="en-US" sz="1200" dirty="0" smtClean="0"/>
-              <a:t>-</a:t>
-            </a:r>
-            <a:r>
-              <a:rPr lang="en-US" sz="1200" dirty="0" err="1" smtClean="0"/>
-              <a:t>isystem</a:t>
-            </a:r>
-            <a:r>
-              <a:rPr lang="en-US" sz="1200" dirty="0" smtClean="0"/>
-              <a:t> </a:t>
-            </a:r>
-            <a:r>
-              <a:rPr lang="en-US" sz="1200" dirty="0"/>
-              <a:t>external/ -</a:t>
-            </a:r>
-            <a:r>
-              <a:rPr lang="en-US" sz="1200" dirty="0" err="1"/>
-              <a:t>isystem</a:t>
-            </a:r>
-            <a:r>
-              <a:rPr lang="en-US" sz="1200" dirty="0"/>
-              <a:t> external/include/ -</a:t>
-            </a:r>
-            <a:r>
-              <a:rPr lang="en-US" sz="1200" dirty="0" err="1"/>
-              <a:t>isystem</a:t>
-            </a:r>
-            <a:r>
-              <a:rPr lang="en-US" sz="1200" dirty="0"/>
-              <a:t> external/</a:t>
-            </a:r>
-            <a:r>
-              <a:rPr lang="en-US" sz="1200" dirty="0" err="1"/>
-              <a:t>dbio</a:t>
-            </a:r>
-            <a:r>
-              <a:rPr lang="en-US" sz="1200" dirty="0"/>
-              <a:t>/ -</a:t>
-            </a:r>
-            <a:r>
-              <a:rPr lang="en-US" sz="1200" dirty="0" err="1"/>
-              <a:t>std</a:t>
-            </a:r>
-            <a:r>
-              <a:rPr lang="en-US" sz="1200" dirty="0"/>
-              <a:t>=</a:t>
-            </a:r>
-            <a:r>
-              <a:rPr lang="en-US" sz="1200" dirty="0" err="1"/>
-              <a:t>c++</a:t>
-            </a:r>
-            <a:r>
-              <a:rPr lang="en-US" sz="1200" dirty="0"/>
-              <a:t>11 -march=core2 -</a:t>
-            </a:r>
-            <a:r>
-              <a:rPr lang="en-US" sz="1200" dirty="0" err="1"/>
-              <a:t>mtune</a:t>
-            </a:r>
-            <a:r>
-              <a:rPr lang="en-US" sz="1200" dirty="0"/>
-              <a:t>=generic -pipe -</a:t>
-            </a:r>
-            <a:r>
-              <a:rPr lang="en-US" sz="1200" dirty="0" err="1"/>
-              <a:t>Qunused</a:t>
-            </a:r>
-            <a:r>
-              <a:rPr lang="en-US" sz="1200" dirty="0"/>
-              <a:t>-arguments </a:t>
-            </a:r>
-            <a:r>
-              <a:rPr lang="en-US" sz="1200" dirty="0" smtClean="0"/>
-              <a:t>-DUNUSUAL_ALLOCATOR_DECLARATION </a:t>
-            </a:r>
-            <a:r>
-              <a:rPr lang="en-US" sz="1200" dirty="0"/>
-              <a:t>-ftemplate-depth-256 -</a:t>
-            </a:r>
-            <a:r>
-              <a:rPr lang="en-US" sz="1200" dirty="0" err="1"/>
-              <a:t>stdlib</a:t>
-            </a:r>
-            <a:r>
-              <a:rPr lang="en-US" sz="1200" dirty="0"/>
-              <a:t>=</a:t>
-            </a:r>
-            <a:r>
-              <a:rPr lang="en-US" sz="1200" dirty="0" err="1"/>
-              <a:t>libstdc</a:t>
-            </a:r>
-            <a:r>
-              <a:rPr lang="en-US" sz="1200" dirty="0"/>
-              <a:t>++ -W -Wall -</a:t>
-            </a:r>
-            <a:r>
-              <a:rPr lang="en-US" sz="1200" dirty="0" err="1"/>
-              <a:t>Wextra</a:t>
-            </a:r>
-            <a:r>
-              <a:rPr lang="en-US" sz="1200" dirty="0"/>
-              <a:t> -pedantic -</a:t>
-            </a:r>
-            <a:r>
-              <a:rPr lang="en-US" sz="1200" dirty="0" err="1"/>
-              <a:t>Werror</a:t>
-            </a:r>
-            <a:r>
-              <a:rPr lang="en-US" sz="1200" dirty="0"/>
-              <a:t> -</a:t>
-            </a:r>
-            <a:r>
-              <a:rPr lang="en-US" sz="1200" dirty="0" err="1"/>
-              <a:t>Wno</a:t>
-            </a:r>
-            <a:r>
-              <a:rPr lang="en-US" sz="1200" dirty="0"/>
-              <a:t>-long-long -</a:t>
-            </a:r>
-            <a:r>
-              <a:rPr lang="en-US" sz="1200" dirty="0" err="1"/>
-              <a:t>Wno</a:t>
-            </a:r>
-            <a:r>
-              <a:rPr lang="en-US" sz="1200" dirty="0"/>
-              <a:t>-strict-aliasing </a:t>
-            </a:r>
-            <a:r>
-              <a:rPr lang="en-US" sz="1200" dirty="0" smtClean="0"/>
-              <a:t>-march=native </a:t>
-            </a:r>
-            <a:r>
-              <a:rPr lang="en-US" sz="1200" dirty="0"/>
-              <a:t>-</a:t>
-            </a:r>
-            <a:r>
-              <a:rPr lang="en-US" sz="1200" dirty="0" err="1"/>
-              <a:t>mtune</a:t>
-            </a:r>
-            <a:r>
-              <a:rPr lang="en-US" sz="1200" dirty="0"/>
-              <a:t>=native -</a:t>
-            </a:r>
-            <a:r>
-              <a:rPr lang="en-US" sz="1200" dirty="0" err="1"/>
-              <a:t>stdlib</a:t>
-            </a:r>
-            <a:r>
-              <a:rPr lang="en-US" sz="1200" dirty="0"/>
-              <a:t>=</a:t>
-            </a:r>
-            <a:r>
-              <a:rPr lang="en-US" sz="1200" dirty="0" err="1"/>
-              <a:t>libc</a:t>
-            </a:r>
-            <a:r>
-              <a:rPr lang="en-US" sz="1200" dirty="0"/>
-              <a:t>++ -</a:t>
-            </a:r>
-            <a:r>
-              <a:rPr lang="en-US" sz="1200" dirty="0" err="1"/>
-              <a:t>Wno</a:t>
-            </a:r>
-            <a:r>
-              <a:rPr lang="en-US" sz="1200" dirty="0"/>
-              <a:t>-unused-variable -O0 -g -DBOOST_ERROR_CODE_HEADER_ONLY -DBOOST_SYSTEM_NO_DEPRECATED </a:t>
-            </a:r>
-            <a:r>
-              <a:rPr lang="en-US" sz="1200" dirty="0" smtClean="0"/>
-              <a:t>-DBOOST_MATH_NO_LONG_DOUBLE_MATH_FUNCTIONS </a:t>
-            </a:r>
-            <a:r>
-              <a:rPr lang="en-US" sz="1200" dirty="0"/>
-              <a:t>-DCXX11 -DPTR_STD </a:t>
-            </a:r>
-            <a:r>
-              <a:rPr lang="en-US" sz="1200" dirty="0">
-                <a:solidFill>
-                  <a:srgbClr val="FF0000"/>
-                </a:solidFill>
-              </a:rPr>
-              <a:t>-</a:t>
-            </a:r>
-            <a:r>
-              <a:rPr lang="en-US" sz="1200" dirty="0" err="1">
-                <a:solidFill>
-                  <a:srgbClr val="FF0000"/>
-                </a:solidFill>
-              </a:rPr>
-              <a:t>Isrc</a:t>
-            </a:r>
-            <a:r>
-              <a:rPr lang="en-US" sz="1200" dirty="0">
-                <a:solidFill>
-                  <a:srgbClr val="FF0000"/>
-                </a:solidFill>
-              </a:rPr>
-              <a:t> </a:t>
-            </a:r>
-            <a:r>
-              <a:rPr lang="en-US" sz="1200" dirty="0"/>
-              <a:t>-</a:t>
-            </a:r>
-            <a:r>
-              <a:rPr lang="en-US" sz="1200" dirty="0" err="1"/>
-              <a:t>Iexternal</a:t>
-            </a:r>
-            <a:r>
-              <a:rPr lang="en-US" sz="1200" dirty="0"/>
-              <a:t>/include -</a:t>
-            </a:r>
-            <a:r>
-              <a:rPr lang="en-US" sz="1200" dirty="0" err="1"/>
-              <a:t>Isrc</a:t>
-            </a:r>
-            <a:r>
-              <a:rPr lang="en-US" sz="1200" dirty="0"/>
-              <a:t>/platform/</a:t>
-            </a:r>
-            <a:r>
-              <a:rPr lang="en-US" sz="1200" dirty="0" err="1"/>
-              <a:t>macos</a:t>
-            </a:r>
-            <a:r>
-              <a:rPr lang="en-US" sz="1200" dirty="0"/>
-              <a:t>/64/clang/7.0 -</a:t>
-            </a:r>
-            <a:r>
-              <a:rPr lang="en-US" sz="1200" dirty="0" err="1" smtClean="0"/>
-              <a:t>Isrc</a:t>
-            </a:r>
-            <a:r>
-              <a:rPr lang="en-US" sz="1200" dirty="0" smtClean="0"/>
-              <a:t>/platform/</a:t>
-            </a:r>
-            <a:r>
-              <a:rPr lang="en-US" sz="1200" dirty="0" err="1" smtClean="0"/>
-              <a:t>macos</a:t>
-            </a:r>
-            <a:r>
-              <a:rPr lang="en-US" sz="1200" dirty="0" smtClean="0"/>
-              <a:t>/64/clang </a:t>
-            </a:r>
-            <a:r>
-              <a:rPr lang="en-US" sz="1200" dirty="0"/>
-              <a:t>-</a:t>
-            </a:r>
-            <a:r>
-              <a:rPr lang="en-US" sz="1200" dirty="0" err="1"/>
-              <a:t>Isrc</a:t>
-            </a:r>
-            <a:r>
-              <a:rPr lang="en-US" sz="1200" dirty="0"/>
-              <a:t>/platform/</a:t>
-            </a:r>
-            <a:r>
-              <a:rPr lang="en-US" sz="1200" dirty="0" err="1"/>
-              <a:t>macos</a:t>
-            </a:r>
-            <a:r>
-              <a:rPr lang="en-US" sz="1200" dirty="0"/>
-              <a:t>/64 -</a:t>
-            </a:r>
-            <a:r>
-              <a:rPr lang="en-US" sz="1200" dirty="0" err="1"/>
-              <a:t>Isrc</a:t>
-            </a:r>
-            <a:r>
-              <a:rPr lang="en-US" sz="1200" dirty="0"/>
-              <a:t>/platform/</a:t>
-            </a:r>
-            <a:r>
-              <a:rPr lang="en-US" sz="1200" dirty="0" err="1"/>
-              <a:t>macos</a:t>
-            </a:r>
-            <a:r>
-              <a:rPr lang="en-US" sz="1200" dirty="0"/>
-              <a:t> </a:t>
-            </a:r>
-            <a:r>
-              <a:rPr lang="en-US" sz="1200" dirty="0">
-                <a:solidFill>
-                  <a:srgbClr val="FF0000"/>
-                </a:solidFill>
-              </a:rPr>
-              <a:t>-</a:t>
-            </a:r>
-            <a:r>
-              <a:rPr lang="en-US" sz="1200" dirty="0" err="1">
-                <a:solidFill>
-                  <a:srgbClr val="FF0000"/>
-                </a:solidFill>
-              </a:rPr>
-              <a:t>Iexternal</a:t>
-            </a:r>
-            <a:r>
-              <a:rPr lang="en-US" sz="1200" dirty="0">
-                <a:solidFill>
-                  <a:srgbClr val="FF0000"/>
-                </a:solidFill>
-              </a:rPr>
-              <a:t>/boost_1_55_0 </a:t>
-            </a:r>
-            <a:r>
-              <a:rPr lang="en-US" sz="1200" dirty="0"/>
-              <a:t>-</a:t>
-            </a:r>
-            <a:r>
-              <a:rPr lang="en-US" sz="1200" dirty="0" err="1"/>
-              <a:t>Iexternal</a:t>
-            </a:r>
-            <a:r>
-              <a:rPr lang="en-US" sz="1200" dirty="0"/>
-              <a:t>/libxml2/include -</a:t>
-            </a:r>
-            <a:r>
-              <a:rPr lang="en-US" sz="1200" dirty="0" err="1"/>
-              <a:t>Iexternal</a:t>
-            </a:r>
-            <a:r>
-              <a:rPr lang="en-US" sz="1200" dirty="0"/>
-              <a:t> -</a:t>
-            </a:r>
-            <a:r>
-              <a:rPr lang="en-US" sz="1200" dirty="0" err="1"/>
-              <a:t>Iexternal</a:t>
-            </a:r>
-            <a:r>
-              <a:rPr lang="en-US" sz="1200" dirty="0"/>
-              <a:t>/</a:t>
-            </a:r>
-            <a:r>
-              <a:rPr lang="en-US" sz="1200" dirty="0" err="1"/>
-              <a:t>dbio</a:t>
-            </a:r>
-            <a:r>
-              <a:rPr lang="en-US" sz="1200" dirty="0"/>
-              <a:t> -I/</a:t>
-            </a:r>
-            <a:r>
-              <a:rPr lang="en-US" sz="1200" dirty="0" err="1"/>
-              <a:t>usr</a:t>
-            </a:r>
-            <a:r>
-              <a:rPr lang="en-US" sz="1200" dirty="0"/>
-              <a:t>/include -I/  </a:t>
-            </a:r>
-            <a:r>
-              <a:rPr lang="en-US" sz="1200" dirty="0" err="1"/>
-              <a:t>usr</a:t>
-            </a:r>
-            <a:r>
-              <a:rPr lang="en-US" sz="1200" dirty="0"/>
-              <a:t>/local/include </a:t>
-            </a:r>
-            <a:r>
-              <a:rPr lang="en-US" sz="1200" dirty="0" err="1" smtClean="0"/>
-              <a:t>src</a:t>
-            </a:r>
-            <a:r>
-              <a:rPr lang="en-US" sz="1200" dirty="0" smtClean="0"/>
-              <a:t>/apps/pilot/</a:t>
-            </a:r>
-            <a:r>
-              <a:rPr lang="en-US" sz="1200" dirty="0" err="1" smtClean="0"/>
-              <a:t>huabaiuw</a:t>
-            </a:r>
-            <a:r>
-              <a:rPr lang="en-US" sz="1200" dirty="0" smtClean="0"/>
-              <a:t>/</a:t>
-            </a:r>
-            <a:r>
-              <a:rPr lang="en-US" sz="1200" dirty="0" err="1" smtClean="0"/>
-              <a:t>split_pose_directly.cc</a:t>
-            </a:r>
-            <a:endParaRPr lang="en-US" sz="1200" dirty="0" smtClean="0"/>
-          </a:p>
-          <a:p>
-            <a:endParaRPr lang="en-US" sz="1200" dirty="0" smtClean="0"/>
-          </a:p>
-          <a:p>
-            <a:r>
-              <a:rPr lang="en-US" sz="1200" dirty="0" smtClean="0"/>
-              <a:t>clang</a:t>
-            </a:r>
-            <a:r>
-              <a:rPr lang="en-US" sz="1200" dirty="0"/>
-              <a:t>++ -o </a:t>
-            </a:r>
-            <a:r>
-              <a:rPr lang="en-US" sz="1200" dirty="0" smtClean="0"/>
-              <a:t>build/</a:t>
-            </a:r>
-            <a:r>
-              <a:rPr lang="en-US" sz="1200" dirty="0" err="1" smtClean="0"/>
-              <a:t>src</a:t>
-            </a:r>
-            <a:r>
-              <a:rPr lang="en-US" sz="1200" dirty="0" smtClean="0"/>
-              <a:t>/debug/</a:t>
-            </a:r>
-            <a:r>
-              <a:rPr lang="en-US" sz="1200" dirty="0" err="1" smtClean="0"/>
-              <a:t>macos</a:t>
-            </a:r>
-            <a:r>
-              <a:rPr lang="en-US" sz="1200" dirty="0" smtClean="0"/>
-              <a:t>/10.10/64/x86/clang/7.0/default/</a:t>
-            </a:r>
-            <a:r>
-              <a:rPr lang="en-US" sz="1200" dirty="0" err="1" smtClean="0"/>
-              <a:t>split_pose_directly.default.macosclangdebug</a:t>
-            </a:r>
-            <a:r>
-              <a:rPr lang="en-US" sz="1200" dirty="0" smtClean="0"/>
-              <a:t> </a:t>
-            </a:r>
-            <a:r>
-              <a:rPr lang="en-US" sz="1200" dirty="0"/>
-              <a:t>-</a:t>
-            </a:r>
-            <a:r>
-              <a:rPr lang="en-US" sz="1200" dirty="0" err="1"/>
-              <a:t>stdlib</a:t>
-            </a:r>
-            <a:r>
-              <a:rPr lang="en-US" sz="1200" dirty="0"/>
-              <a:t>=</a:t>
-            </a:r>
-            <a:r>
-              <a:rPr lang="en-US" sz="1200" dirty="0" err="1"/>
-              <a:t>libc</a:t>
-            </a:r>
-            <a:r>
-              <a:rPr lang="en-US" sz="1200" dirty="0"/>
-              <a:t>++ </a:t>
-            </a:r>
-            <a:r>
-              <a:rPr lang="en-US" sz="1200" dirty="0" smtClean="0"/>
-              <a:t>build/</a:t>
-            </a:r>
-            <a:r>
-              <a:rPr lang="en-US" sz="1200" dirty="0" err="1" smtClean="0"/>
-              <a:t>src</a:t>
-            </a:r>
-            <a:r>
-              <a:rPr lang="en-US" sz="1200" dirty="0" smtClean="0"/>
-              <a:t>/debug/</a:t>
-            </a:r>
-            <a:r>
-              <a:rPr lang="en-US" sz="1200" dirty="0" err="1" smtClean="0"/>
-              <a:t>macos</a:t>
-            </a:r>
-            <a:r>
-              <a:rPr lang="en-US" sz="1200" dirty="0" smtClean="0"/>
-              <a:t>/10.10/64/x86/clang/7.0/default/apps/pilot/</a:t>
-            </a:r>
-            <a:r>
-              <a:rPr lang="en-US" sz="1200" dirty="0" err="1" smtClean="0"/>
-              <a:t>huabaiuw</a:t>
-            </a:r>
-            <a:r>
-              <a:rPr lang="en-US" sz="1200" dirty="0" smtClean="0"/>
-              <a:t>/</a:t>
-            </a:r>
-            <a:r>
-              <a:rPr lang="en-US" sz="1200" dirty="0" err="1" smtClean="0"/>
-              <a:t>split_pose_directly.o</a:t>
-            </a:r>
-            <a:r>
-              <a:rPr lang="en-US" sz="1200" dirty="0" smtClean="0"/>
-              <a:t> </a:t>
-            </a:r>
-            <a:r>
-              <a:rPr lang="en-US" sz="1200" dirty="0">
-                <a:solidFill>
-                  <a:srgbClr val="FF0000"/>
-                </a:solidFill>
-              </a:rPr>
-              <a:t>-</a:t>
-            </a:r>
-            <a:r>
-              <a:rPr lang="en-US" sz="1200" dirty="0" err="1">
-                <a:solidFill>
-                  <a:srgbClr val="FF0000"/>
-                </a:solidFill>
-              </a:rPr>
-              <a:t>Lexternal</a:t>
-            </a:r>
-            <a:r>
-              <a:rPr lang="en-US" sz="1200" dirty="0">
-                <a:solidFill>
-                  <a:srgbClr val="FF0000"/>
-                </a:solidFill>
-              </a:rPr>
-              <a:t>/lib -</a:t>
-            </a:r>
-            <a:r>
-              <a:rPr lang="en-US" sz="1200" dirty="0" err="1">
-                <a:solidFill>
-                  <a:srgbClr val="FF0000"/>
-                </a:solidFill>
-              </a:rPr>
-              <a:t>Lbuild</a:t>
-            </a:r>
-            <a:r>
-              <a:rPr lang="en-US" sz="1200" dirty="0">
-                <a:solidFill>
-                  <a:srgbClr val="FF0000"/>
-                </a:solidFill>
-              </a:rPr>
-              <a:t>/</a:t>
-            </a:r>
-            <a:r>
-              <a:rPr lang="en-US" sz="1200" dirty="0" err="1">
-                <a:solidFill>
-                  <a:srgbClr val="FF0000"/>
-                </a:solidFill>
-              </a:rPr>
-              <a:t>src</a:t>
-            </a:r>
-            <a:r>
-              <a:rPr lang="en-US" sz="1200" dirty="0">
-                <a:solidFill>
-                  <a:srgbClr val="FF0000"/>
-                </a:solidFill>
-              </a:rPr>
-              <a:t>/debug/</a:t>
-            </a:r>
-            <a:r>
-              <a:rPr lang="en-US" sz="1200" dirty="0" err="1">
-                <a:solidFill>
-                  <a:srgbClr val="FF0000"/>
-                </a:solidFill>
-              </a:rPr>
-              <a:t>macos</a:t>
-            </a:r>
-            <a:r>
-              <a:rPr lang="en-US" sz="1200" dirty="0">
-                <a:solidFill>
-                  <a:srgbClr val="FF0000"/>
-                </a:solidFill>
-              </a:rPr>
-              <a:t>/10.10/64/x86/clang/7.0/default -</a:t>
-            </a:r>
-            <a:r>
-              <a:rPr lang="en-US" sz="1200" dirty="0" err="1">
-                <a:solidFill>
-                  <a:srgbClr val="FF0000"/>
-                </a:solidFill>
-              </a:rPr>
-              <a:t>Lsrc</a:t>
-            </a:r>
-            <a:r>
-              <a:rPr lang="en-US" sz="1200" dirty="0">
-                <a:solidFill>
-                  <a:srgbClr val="FF0000"/>
-                </a:solidFill>
-              </a:rPr>
-              <a:t> </a:t>
-            </a:r>
-            <a:r>
-              <a:rPr lang="en-US" sz="1200" dirty="0" smtClean="0">
-                <a:solidFill>
-                  <a:srgbClr val="FF0000"/>
-                </a:solidFill>
-              </a:rPr>
-              <a:t>-</a:t>
-            </a:r>
-            <a:r>
-              <a:rPr lang="en-US" sz="1200" dirty="0" err="1" smtClean="0">
-                <a:solidFill>
-                  <a:srgbClr val="FF0000"/>
-                </a:solidFill>
-              </a:rPr>
-              <a:t>Lbuild</a:t>
-            </a:r>
-            <a:r>
-              <a:rPr lang="en-US" sz="1200" dirty="0" smtClean="0">
-                <a:solidFill>
-                  <a:srgbClr val="FF0000"/>
-                </a:solidFill>
-              </a:rPr>
-              <a:t>/external/debug/</a:t>
-            </a:r>
-            <a:r>
-              <a:rPr lang="en-US" sz="1200" dirty="0" err="1" smtClean="0">
-                <a:solidFill>
-                  <a:srgbClr val="FF0000"/>
-                </a:solidFill>
-              </a:rPr>
-              <a:t>macos</a:t>
-            </a:r>
-            <a:r>
-              <a:rPr lang="en-US" sz="1200" dirty="0" smtClean="0">
-                <a:solidFill>
-                  <a:srgbClr val="FF0000"/>
-                </a:solidFill>
-              </a:rPr>
-              <a:t>/10.10/64/x86/clang/7</a:t>
-            </a:r>
-            <a:r>
-              <a:rPr lang="en-US" sz="1200" dirty="0">
-                <a:solidFill>
-                  <a:srgbClr val="FF0000"/>
-                </a:solidFill>
-              </a:rPr>
-              <a:t>. 0/default -</a:t>
-            </a:r>
-            <a:r>
-              <a:rPr lang="en-US" sz="1200" dirty="0" err="1">
-                <a:solidFill>
-                  <a:srgbClr val="FF0000"/>
-                </a:solidFill>
-              </a:rPr>
-              <a:t>Lexternal</a:t>
-            </a:r>
-            <a:r>
-              <a:rPr lang="en-US" sz="1200" dirty="0">
-                <a:solidFill>
-                  <a:srgbClr val="FF0000"/>
-                </a:solidFill>
-              </a:rPr>
-              <a:t> -L/</a:t>
-            </a:r>
-            <a:r>
-              <a:rPr lang="en-US" sz="1200" dirty="0" err="1">
-                <a:solidFill>
-                  <a:srgbClr val="FF0000"/>
-                </a:solidFill>
-              </a:rPr>
-              <a:t>usr</a:t>
-            </a:r>
-            <a:r>
-              <a:rPr lang="en-US" sz="1200" dirty="0">
-                <a:solidFill>
-                  <a:srgbClr val="FF0000"/>
-                </a:solidFill>
-              </a:rPr>
-              <a:t>/lib -</a:t>
-            </a:r>
-            <a:r>
-              <a:rPr lang="en-US" sz="1200" dirty="0" err="1">
-                <a:solidFill>
-                  <a:srgbClr val="FF0000"/>
-                </a:solidFill>
-              </a:rPr>
-              <a:t>ldevel</a:t>
-            </a:r>
-            <a:r>
-              <a:rPr lang="en-US" sz="1200" dirty="0">
-                <a:solidFill>
-                  <a:srgbClr val="FF0000"/>
-                </a:solidFill>
-              </a:rPr>
-              <a:t> -lprotocols.7 -lprotocols.6 -lprotocols_e.5 -lprotocols_d.5 -lprotocols_c.5 -lprotocols_b.5 -</a:t>
-            </a:r>
-            <a:r>
-              <a:rPr lang="en-US" sz="1200" dirty="0" err="1">
-                <a:solidFill>
-                  <a:srgbClr val="FF0000"/>
-                </a:solidFill>
-              </a:rPr>
-              <a:t>lprotocols_a</a:t>
-            </a:r>
-            <a:r>
-              <a:rPr lang="en-US" sz="1200" dirty="0">
-                <a:solidFill>
-                  <a:srgbClr val="FF0000"/>
-                </a:solidFill>
-              </a:rPr>
-              <a:t>.   5 -lprotocols_h.4 -lprotocols_g.4 -lprotocols_f.4 -lprotocols_e.4 -lprotocols_d.4 -lprotocols_c.4 -lprotocols_b.4 -lprotocols_a.4 -lprotocols.3 -    lprotocols_b.2 -lprotocols_a.2 -lprotocols.1 -lcore.5 -lcore.4 -lcore.3 -lcore.2 -lcore.1 -</a:t>
-            </a:r>
-            <a:r>
-              <a:rPr lang="en-US" sz="1200" dirty="0" err="1">
-                <a:solidFill>
-                  <a:srgbClr val="FF0000"/>
-                </a:solidFill>
-              </a:rPr>
-              <a:t>lbasic</a:t>
-            </a:r>
-            <a:r>
-              <a:rPr lang="en-US" sz="1200" dirty="0">
-                <a:solidFill>
-                  <a:srgbClr val="FF0000"/>
-                </a:solidFill>
-              </a:rPr>
-              <a:t> -</a:t>
-            </a:r>
-            <a:r>
-              <a:rPr lang="en-US" sz="1200" dirty="0" err="1">
-                <a:solidFill>
-                  <a:srgbClr val="FF0000"/>
-                </a:solidFill>
-              </a:rPr>
-              <a:t>lnumeric</a:t>
-            </a:r>
-            <a:r>
-              <a:rPr lang="en-US" sz="1200" dirty="0">
-                <a:solidFill>
-                  <a:srgbClr val="FF0000"/>
-                </a:solidFill>
-              </a:rPr>
-              <a:t> -</a:t>
-            </a:r>
-            <a:r>
-              <a:rPr lang="en-US" sz="1200" dirty="0" err="1">
-                <a:solidFill>
-                  <a:srgbClr val="FF0000"/>
-                </a:solidFill>
-              </a:rPr>
-              <a:t>lutility</a:t>
-            </a:r>
-            <a:r>
-              <a:rPr lang="en-US" sz="1200" dirty="0">
-                <a:solidFill>
-                  <a:srgbClr val="FF0000"/>
-                </a:solidFill>
-              </a:rPr>
-              <a:t> -</a:t>
-            </a:r>
-            <a:r>
-              <a:rPr lang="en-US" sz="1200" dirty="0" err="1">
-                <a:solidFill>
-                  <a:srgbClr val="FF0000"/>
-                </a:solidFill>
-              </a:rPr>
-              <a:t>lObjexxFCL</a:t>
-            </a:r>
-            <a:r>
-              <a:rPr lang="en-US" sz="1200" dirty="0">
-                <a:solidFill>
-                  <a:srgbClr val="FF0000"/>
-                </a:solidFill>
-              </a:rPr>
-              <a:t> -</a:t>
-            </a:r>
-            <a:r>
-              <a:rPr lang="en-US" sz="1200" dirty="0" err="1">
-                <a:solidFill>
-                  <a:srgbClr val="FF0000"/>
-                </a:solidFill>
-              </a:rPr>
-              <a:t>lz</a:t>
-            </a:r>
-            <a:r>
-              <a:rPr lang="en-US" sz="1200" dirty="0">
-                <a:solidFill>
-                  <a:srgbClr val="FF0000"/>
-                </a:solidFill>
-              </a:rPr>
-              <a:t> -</a:t>
-            </a:r>
-            <a:r>
-              <a:rPr lang="en-US" sz="1200" dirty="0" err="1">
-                <a:solidFill>
-                  <a:srgbClr val="FF0000"/>
-                </a:solidFill>
-              </a:rPr>
-              <a:t>lcppdb</a:t>
-            </a:r>
-            <a:r>
-              <a:rPr lang="en-US" sz="1200" dirty="0">
-                <a:solidFill>
-                  <a:srgbClr val="FF0000"/>
-                </a:solidFill>
-              </a:rPr>
-              <a:t> </a:t>
-            </a:r>
-            <a:r>
-              <a:rPr lang="en-US" sz="1200" dirty="0" smtClean="0">
-                <a:solidFill>
-                  <a:srgbClr val="FF0000"/>
-                </a:solidFill>
-              </a:rPr>
-              <a:t>-lsqlite3 </a:t>
-            </a:r>
-            <a:r>
-              <a:rPr lang="en-US" sz="1200" dirty="0">
-                <a:solidFill>
-                  <a:srgbClr val="FF0000"/>
-                </a:solidFill>
-              </a:rPr>
-              <a:t>-</a:t>
-            </a:r>
-            <a:r>
-              <a:rPr lang="en-US" sz="1200" dirty="0" err="1">
-                <a:solidFill>
-                  <a:srgbClr val="FF0000"/>
-                </a:solidFill>
-              </a:rPr>
-              <a:t>lz</a:t>
-            </a:r>
-            <a:r>
-              <a:rPr lang="en-US" sz="1200" dirty="0">
-                <a:solidFill>
-                  <a:srgbClr val="FF0000"/>
-                </a:solidFill>
-              </a:rPr>
-              <a:t> -</a:t>
-            </a:r>
-            <a:r>
-              <a:rPr lang="en-US" sz="1200" dirty="0" err="1">
-                <a:solidFill>
-                  <a:srgbClr val="FF0000"/>
-                </a:solidFill>
-              </a:rPr>
-              <a:t>lcppdb</a:t>
-            </a:r>
-            <a:r>
-              <a:rPr lang="en-US" sz="1200" dirty="0">
-                <a:solidFill>
-                  <a:srgbClr val="FF0000"/>
-                </a:solidFill>
-              </a:rPr>
-              <a:t> -lsqlite3 -</a:t>
-            </a:r>
-            <a:r>
-              <a:rPr lang="en-US" sz="1200" dirty="0" err="1">
-                <a:solidFill>
-                  <a:srgbClr val="FF0000"/>
-                </a:solidFill>
-              </a:rPr>
-              <a:t>lcifparse</a:t>
-            </a:r>
-            <a:r>
-              <a:rPr lang="en-US" sz="1200" dirty="0">
-                <a:solidFill>
-                  <a:srgbClr val="FF0000"/>
-                </a:solidFill>
-              </a:rPr>
-              <a:t> -lxml2</a:t>
-            </a:r>
-          </a:p>
-        </p:txBody>
-      </p:sp>
-    </p:spTree>
-    <p:extLst>
-      <p:ext uri="{BB962C8B-B14F-4D97-AF65-F5344CB8AC3E}">
-        <p14:creationId xmlns:p14="http://schemas.microsoft.com/office/powerpoint/2010/main" val="832181709"/>
-      </p:ext>
-    </p:extLst>
-  </p:cSld>
-  <p:clrMapOvr>
-    <a:masterClrMapping/>
-  </p:clrMapOvr>
-  <p:timing>
-    <p:tnLst>
-      <p:par>
-        <p:cTn id="1" dur="indefinite" restart="never" nodeType="tmRoot"/>
-      </p:par>
-    </p:tnLst>
-  </p:timing>
-</p:sld>
-</file>
-
-<file path=ppt/slides/slide30.xml><?xml version="1.0" encoding="utf-8"?>
-<p:sld xmlns:a="http://schemas.openxmlformats.org/drawingml/2006/main" xmlns:r="http://schemas.openxmlformats.org/officeDocument/2006/relationships" xmlns:p="http://schemas.openxmlformats.org/presentationml/2006/main">
-  <p:cSld>
-    <p:spTree>
-      <p:nvGrpSpPr>
-        <p:cNvPr id="1" name="Shape 424"/>
-        <p:cNvGrpSpPr/>
-        <p:nvPr/>
-      </p:nvGrpSpPr>
-      <p:grpSpPr>
-        <a:xfrm>
-          <a:off x="0" y="0"/>
-          <a:ext cx="0" cy="0"/>
-          <a:chOff x="0" y="0"/>
-          <a:chExt cx="0" cy="0"/>
-        </a:xfrm>
-      </p:grpSpPr>
-      <p:sp>
-        <p:nvSpPr>
-          <p:cNvPr id="425" name="Shape 425"/>
-          <p:cNvSpPr txBox="1">
-            <a:spLocks noGrp="1"/>
-          </p:cNvSpPr>
-          <p:nvPr>
-            <p:ph type="title"/>
-          </p:nvPr>
-        </p:nvSpPr>
-        <p:spPr>
-          <a:xfrm>
-            <a:off x="457200" y="101100"/>
-            <a:ext cx="7315500" cy="552900"/>
-          </a:xfrm>
-          <a:prstGeom prst="rect">
-            <a:avLst/>
-          </a:prstGeom>
-        </p:spPr>
-        <p:txBody>
-          <a:bodyPr lIns="91425" tIns="91425" rIns="91425" bIns="91425" anchor="b" anchorCtr="0">
-            <a:noAutofit/>
-          </a:bodyPr>
-          <a:lstStyle/>
-          <a:p>
-            <a:pPr lvl="0" rtl="0">
-              <a:spcBef>
-                <a:spcPts val="0"/>
-              </a:spcBef>
-              <a:buNone/>
-            </a:pPr>
-            <a:r>
-              <a:rPr lang="en"/>
-              <a:t>TaskOperations</a:t>
-            </a:r>
-          </a:p>
-        </p:txBody>
-      </p:sp>
-      <p:sp>
-        <p:nvSpPr>
-          <p:cNvPr id="426" name="Shape 426"/>
-          <p:cNvSpPr txBox="1">
-            <a:spLocks noGrp="1"/>
-          </p:cNvSpPr>
-          <p:nvPr>
-            <p:ph type="body" idx="1"/>
-          </p:nvPr>
-        </p:nvSpPr>
-        <p:spPr>
-          <a:xfrm>
-            <a:off x="232075" y="868300"/>
-            <a:ext cx="8229600" cy="4029600"/>
-          </a:xfrm>
-          <a:prstGeom prst="rect">
-            <a:avLst/>
-          </a:prstGeom>
-        </p:spPr>
-        <p:txBody>
-          <a:bodyPr lIns="91425" tIns="91425" rIns="91425" bIns="91425" anchor="t" anchorCtr="0">
-            <a:noAutofit/>
-          </a:bodyPr>
-          <a:lstStyle/>
-          <a:p>
-            <a:pPr marL="0" lvl="0" indent="0" rtl="0">
-              <a:spcBef>
-                <a:spcPts val="0"/>
-              </a:spcBef>
-              <a:buNone/>
-            </a:pPr>
-            <a:r>
-              <a:rPr lang="en"/>
-              <a:t>TaskOps modify a PackerTask</a:t>
-            </a:r>
-          </a:p>
-          <a:p>
-            <a:pPr marL="0" lvl="0" indent="0" rtl="0">
-              <a:spcBef>
-                <a:spcPts val="0"/>
-              </a:spcBef>
-              <a:buNone/>
-            </a:pPr>
-            <a:endParaRPr/>
-          </a:p>
-          <a:p>
-            <a:pPr marL="0" lvl="0" indent="0" rtl="0">
-              <a:spcBef>
-                <a:spcPts val="0"/>
-              </a:spcBef>
-              <a:buNone/>
-            </a:pPr>
-            <a:r>
-              <a:rPr lang="en"/>
-              <a:t>We’ll cover these in greater depth later</a:t>
-            </a:r>
-          </a:p>
-        </p:txBody>
-      </p:sp>
-      <p:pic>
-        <p:nvPicPr>
-          <p:cNvPr id="427" name="Shape 427"/>
           <p:cNvPicPr preferRelativeResize="0"/>
           <p:nvPr/>
         </p:nvPicPr>
@@ -41241,7 +41955,6 @@
               <a:rPr lang="en-US" dirty="0"/>
               <a:t>protocols_h.4.src.settings</a:t>
             </a:r>
-            <a:endParaRPr lang="en-US" dirty="0"/>
           </a:p>
         </p:txBody>
       </p:sp>
@@ -45008,7 +45721,7 @@
               <a:buNone/>
             </a:pPr>
             <a:r>
-              <a:rPr lang="en" sz="1400"/>
+              <a:rPr lang="en" sz="1400" dirty="0"/>
               <a:t>pack/</a:t>
             </a:r>
           </a:p>
@@ -45020,7 +45733,7 @@
               <a:buNone/>
             </a:pPr>
             <a:r>
-              <a:rPr lang="en" sz="1400">
+              <a:rPr lang="en" sz="1400" dirty="0">
                 <a:solidFill>
                   <a:srgbClr val="999999"/>
                 </a:solidFill>
@@ -45028,7 +45741,7 @@
               <a:t>   </a:t>
             </a:r>
             <a:r>
-              <a:rPr lang="en" sz="1400"/>
+              <a:rPr lang="en" sz="1400" dirty="0"/>
               <a:t>task/</a:t>
             </a:r>
           </a:p>
@@ -45040,19 +45753,24 @@
               <a:buNone/>
             </a:pPr>
             <a:r>
-              <a:rPr lang="en" sz="1400"/>
-              <a:t>      PackerTask.hh</a:t>
-            </a:r>
-          </a:p>
-          <a:p>
-            <a:pPr lvl="0" rtl="0">
-              <a:spcBef>
-                <a:spcPts val="0"/>
-              </a:spcBef>
-              <a:buNone/>
-            </a:pPr>
-            <a:r>
-              <a:rPr lang="en" sz="1400"/>
+              <a:rPr lang="en" sz="1400" dirty="0"/>
+              <a:t>      </a:t>
+            </a:r>
+            <a:r>
+              <a:rPr lang="en" sz="1400" dirty="0" err="1"/>
+              <a:t>PackerTask.hh</a:t>
+            </a:r>
+            <a:endParaRPr lang="en" sz="1400" dirty="0"/>
+          </a:p>
+          <a:p>
+            <a:pPr lvl="0" rtl="0">
+              <a:spcBef>
+                <a:spcPts val="0"/>
+              </a:spcBef>
+              <a:buNone/>
+            </a:pPr>
+            <a:r>
+              <a:rPr lang="en" sz="1400" dirty="0"/>
               <a:t>      operation/</a:t>
             </a:r>
           </a:p>
@@ -45064,19 +45782,24 @@
               <a:buNone/>
             </a:pPr>
             <a:r>
-              <a:rPr lang="en" sz="1400"/>
-              <a:t>         TaskOperation.hh</a:t>
-            </a:r>
-          </a:p>
-          <a:p>
-            <a:pPr lvl="0" rtl="0">
-              <a:spcBef>
-                <a:spcPts val="0"/>
-              </a:spcBef>
-              <a:buNone/>
-            </a:pPr>
-            <a:r>
-              <a:rPr lang="en" sz="1400">
+              <a:rPr lang="en" sz="1400" dirty="0"/>
+              <a:t>         </a:t>
+            </a:r>
+            <a:r>
+              <a:rPr lang="en" sz="1400" dirty="0" err="1"/>
+              <a:t>TaskOperation.hh</a:t>
+            </a:r>
+            <a:endParaRPr lang="en" sz="1400" dirty="0"/>
+          </a:p>
+          <a:p>
+            <a:pPr lvl="0" rtl="0">
+              <a:spcBef>
+                <a:spcPts val="0"/>
+              </a:spcBef>
+              <a:buNone/>
+            </a:pPr>
+            <a:r>
+              <a:rPr lang="en" sz="1400" dirty="0">
                 <a:solidFill>
                   <a:srgbClr val="999999"/>
                 </a:solidFill>
@@ -45091,17 +45814,17 @@
               </a:spcBef>
               <a:buNone/>
             </a:pPr>
-            <a:endParaRPr sz="1400"/>
-          </a:p>
-          <a:p>
-            <a:pPr lvl="0" rtl="0">
-              <a:spcBef>
-                <a:spcPts val="0"/>
-              </a:spcBef>
-              <a:buNone/>
-            </a:pPr>
-            <a:r>
-              <a:rPr lang="en" sz="1400"/>
+            <a:endParaRPr sz="1400" dirty="0"/>
+          </a:p>
+          <a:p>
+            <a:pPr lvl="0" rtl="0">
+              <a:spcBef>
+                <a:spcPts val="0"/>
+              </a:spcBef>
+              <a:buNone/>
+            </a:pPr>
+            <a:r>
+              <a:rPr lang="en" sz="1400" dirty="0"/>
               <a:t>optimization/</a:t>
             </a:r>
           </a:p>
@@ -45113,52 +45836,62 @@
               <a:buNone/>
             </a:pPr>
             <a:r>
-              <a:rPr lang="en" sz="1400"/>
-              <a:t>   AtomTreeMinimizer.hh</a:t>
-            </a:r>
-          </a:p>
-          <a:p>
-            <a:pPr lvl="0" rtl="0">
-              <a:spcBef>
-                <a:spcPts val="0"/>
-              </a:spcBef>
-              <a:buNone/>
-            </a:pPr>
-            <a:r>
-              <a:rPr lang="en" sz="1400"/>
-              <a:t>   CartesianMinimizer.hh</a:t>
-            </a:r>
-          </a:p>
-          <a:p>
-            <a:pPr lvl="0" rtl="0">
-              <a:spcBef>
-                <a:spcPts val="0"/>
-              </a:spcBef>
-              <a:buNone/>
-            </a:pPr>
-            <a:r>
-              <a:rPr lang="en" sz="1400"/>
+              <a:rPr lang="en" sz="1400" dirty="0"/>
               <a:t>   </a:t>
             </a:r>
-          </a:p>
-          <a:p>
-            <a:pPr lvl="0" rtl="0">
-              <a:spcBef>
-                <a:spcPts val="0"/>
-              </a:spcBef>
-              <a:buNone/>
-            </a:pPr>
-            <a:endParaRPr sz="1400"/>
-          </a:p>
-          <a:p>
-            <a:pPr lvl="0" rtl="0">
-              <a:spcBef>
-                <a:spcPts val="0"/>
-              </a:spcBef>
-              <a:buNone/>
-            </a:pPr>
-            <a:r>
-              <a:rPr lang="en" sz="1400"/>
+            <a:r>
+              <a:rPr lang="en" sz="1400" dirty="0" err="1"/>
+              <a:t>AtomTreeMinimizer.hh</a:t>
+            </a:r>
+            <a:endParaRPr lang="en" sz="1400" dirty="0"/>
+          </a:p>
+          <a:p>
+            <a:pPr lvl="0" rtl="0">
+              <a:spcBef>
+                <a:spcPts val="0"/>
+              </a:spcBef>
+              <a:buNone/>
+            </a:pPr>
+            <a:r>
+              <a:rPr lang="en" sz="1400" dirty="0"/>
+              <a:t>   </a:t>
+            </a:r>
+            <a:r>
+              <a:rPr lang="en" sz="1400" dirty="0" err="1"/>
+              <a:t>CartesianMinimizer.hh</a:t>
+            </a:r>
+            <a:endParaRPr lang="en" sz="1400" dirty="0"/>
+          </a:p>
+          <a:p>
+            <a:pPr lvl="0" rtl="0">
+              <a:spcBef>
+                <a:spcPts val="0"/>
+              </a:spcBef>
+              <a:buNone/>
+            </a:pPr>
+            <a:r>
+              <a:rPr lang="en" sz="1400" dirty="0"/>
+              <a:t>   </a:t>
+            </a:r>
+          </a:p>
+          <a:p>
+            <a:pPr lvl="0" rtl="0">
+              <a:spcBef>
+                <a:spcPts val="0"/>
+              </a:spcBef>
+              <a:buNone/>
+            </a:pPr>
+            <a:endParaRPr sz="1400" dirty="0"/>
+          </a:p>
+          <a:p>
+            <a:pPr lvl="0" rtl="0">
+              <a:spcBef>
+                <a:spcPts val="0"/>
+              </a:spcBef>
+              <a:buNone/>
+            </a:pPr>
+            <a:r>
+              <a:rPr lang="en" sz="1400" dirty="0"/>
               <a:t>  </a:t>
             </a:r>
           </a:p>
@@ -45180,7 +45913,7 @@
         </p:blipFill>
         <p:spPr>
           <a:xfrm>
-            <a:off x="4450420" y="884081"/>
+            <a:off x="4795442" y="884081"/>
             <a:ext cx="2977258" cy="2028973"/>
           </a:xfrm>
           <a:prstGeom prst="rect">
@@ -45192,6 +45925,389 @@
           </a:ln>
         </p:spPr>
       </p:pic>
+      <p:sp>
+        <p:nvSpPr>
+          <p:cNvPr id="2" name="Rectangle 1"/>
+          <p:cNvSpPr/>
+          <p:nvPr/>
+        </p:nvSpPr>
+        <p:spPr>
+          <a:xfrm>
+            <a:off x="89704" y="3580841"/>
+            <a:ext cx="8969455" cy="1384995"/>
+          </a:xfrm>
+          <a:prstGeom prst="rect">
+            <a:avLst/>
+          </a:prstGeom>
+        </p:spPr>
+        <p:txBody>
+          <a:bodyPr wrap="square">
+            <a:spAutoFit/>
+          </a:bodyPr>
+          <a:lstStyle/>
+          <a:p>
+            <a:r>
+              <a:rPr lang="en-US" sz="1200" dirty="0">
+                <a:latin typeface="Courier" charset="0"/>
+                <a:ea typeface="Courier" charset="0"/>
+                <a:cs typeface="Courier" charset="0"/>
+              </a:rPr>
+              <a:t>core::pack::task::</a:t>
+            </a:r>
+            <a:r>
+              <a:rPr lang="en-US" sz="1200" dirty="0" err="1">
+                <a:latin typeface="Courier" charset="0"/>
+                <a:ea typeface="Courier" charset="0"/>
+                <a:cs typeface="Courier" charset="0"/>
+              </a:rPr>
+              <a:t>PackerTaskOP</a:t>
+            </a:r>
+            <a:r>
+              <a:rPr lang="en-US" sz="1200" dirty="0">
+                <a:latin typeface="Courier" charset="0"/>
+                <a:ea typeface="Courier" charset="0"/>
+                <a:cs typeface="Courier" charset="0"/>
+              </a:rPr>
+              <a:t> </a:t>
+            </a:r>
+            <a:r>
+              <a:rPr lang="en-US" sz="1200" dirty="0" err="1">
+                <a:latin typeface="Courier" charset="0"/>
+                <a:ea typeface="Courier" charset="0"/>
+                <a:cs typeface="Courier" charset="0"/>
+              </a:rPr>
+              <a:t>repack_task</a:t>
+            </a:r>
+            <a:r>
+              <a:rPr lang="en-US" sz="1200" dirty="0">
+                <a:latin typeface="Courier" charset="0"/>
+                <a:ea typeface="Courier" charset="0"/>
+                <a:cs typeface="Courier" charset="0"/>
+              </a:rPr>
+              <a:t> </a:t>
+            </a:r>
+            <a:r>
+              <a:rPr lang="en-US" sz="1200" dirty="0" smtClean="0">
+                <a:latin typeface="Courier" charset="0"/>
+                <a:ea typeface="Courier" charset="0"/>
+                <a:cs typeface="Courier" charset="0"/>
+              </a:rPr>
+              <a:t>=            							core</a:t>
+            </a:r>
+            <a:r>
+              <a:rPr lang="en-US" sz="1200" dirty="0">
+                <a:latin typeface="Courier" charset="0"/>
+                <a:ea typeface="Courier" charset="0"/>
+                <a:cs typeface="Courier" charset="0"/>
+              </a:rPr>
+              <a:t>::pack::task::</a:t>
+            </a:r>
+            <a:r>
+              <a:rPr lang="en-US" sz="1200" dirty="0" err="1">
+                <a:latin typeface="Courier" charset="0"/>
+                <a:ea typeface="Courier" charset="0"/>
+                <a:cs typeface="Courier" charset="0"/>
+              </a:rPr>
+              <a:t>TaskFactory</a:t>
+            </a:r>
+            <a:r>
+              <a:rPr lang="en-US" sz="1200" dirty="0">
+                <a:latin typeface="Courier" charset="0"/>
+                <a:ea typeface="Courier" charset="0"/>
+                <a:cs typeface="Courier" charset="0"/>
+              </a:rPr>
+              <a:t>::</a:t>
+            </a:r>
+            <a:r>
+              <a:rPr lang="en-US" sz="1200" dirty="0" err="1">
+                <a:latin typeface="Courier" charset="0"/>
+                <a:ea typeface="Courier" charset="0"/>
+                <a:cs typeface="Courier" charset="0"/>
+              </a:rPr>
+              <a:t>create_packer_task</a:t>
+            </a:r>
+            <a:r>
+              <a:rPr lang="en-US" sz="1200" dirty="0">
+                <a:latin typeface="Courier" charset="0"/>
+                <a:ea typeface="Courier" charset="0"/>
+                <a:cs typeface="Courier" charset="0"/>
+              </a:rPr>
+              <a:t> (*</a:t>
+            </a:r>
+            <a:r>
+              <a:rPr lang="en-US" sz="1200" dirty="0" err="1">
+                <a:latin typeface="Courier" charset="0"/>
+                <a:ea typeface="Courier" charset="0"/>
+                <a:cs typeface="Courier" charset="0"/>
+              </a:rPr>
+              <a:t>mypose</a:t>
+            </a:r>
+            <a:r>
+              <a:rPr lang="en-US" sz="1200" dirty="0">
+                <a:latin typeface="Courier" charset="0"/>
+                <a:ea typeface="Courier" charset="0"/>
+                <a:cs typeface="Courier" charset="0"/>
+              </a:rPr>
+              <a:t>); </a:t>
+            </a:r>
+            <a:endParaRPr lang="en-US" sz="1200" dirty="0" smtClean="0">
+              <a:latin typeface="Courier" charset="0"/>
+              <a:ea typeface="Courier" charset="0"/>
+              <a:cs typeface="Courier" charset="0"/>
+            </a:endParaRPr>
+          </a:p>
+          <a:p>
+            <a:r>
+              <a:rPr lang="en-US" sz="1200" dirty="0" err="1" smtClean="0">
+                <a:latin typeface="Courier" charset="0"/>
+                <a:ea typeface="Courier" charset="0"/>
+                <a:cs typeface="Courier" charset="0"/>
+              </a:rPr>
+              <a:t>repack_task</a:t>
+            </a:r>
+            <a:r>
+              <a:rPr lang="en-US" sz="1200" dirty="0" smtClean="0">
+                <a:latin typeface="Courier" charset="0"/>
+                <a:ea typeface="Courier" charset="0"/>
+                <a:cs typeface="Courier" charset="0"/>
+              </a:rPr>
+              <a:t>-</a:t>
+            </a:r>
+            <a:r>
+              <a:rPr lang="en-US" sz="1200" dirty="0">
+                <a:latin typeface="Courier" charset="0"/>
+                <a:ea typeface="Courier" charset="0"/>
+                <a:cs typeface="Courier" charset="0"/>
+              </a:rPr>
+              <a:t>&gt;</a:t>
+            </a:r>
+            <a:r>
+              <a:rPr lang="en-US" sz="1200" dirty="0" err="1">
+                <a:latin typeface="Courier" charset="0"/>
+                <a:ea typeface="Courier" charset="0"/>
+                <a:cs typeface="Courier" charset="0"/>
+              </a:rPr>
+              <a:t>restrict_to_repacking</a:t>
+            </a:r>
+            <a:r>
+              <a:rPr lang="en-US" sz="1200" dirty="0" smtClean="0">
+                <a:latin typeface="Courier" charset="0"/>
+                <a:ea typeface="Courier" charset="0"/>
+                <a:cs typeface="Courier" charset="0"/>
+              </a:rPr>
+              <a:t>(); </a:t>
+            </a:r>
+          </a:p>
+          <a:p>
+            <a:r>
+              <a:rPr lang="en-US" sz="1200" dirty="0" smtClean="0">
+                <a:latin typeface="Courier" charset="0"/>
+                <a:ea typeface="Courier" charset="0"/>
+                <a:cs typeface="Courier" charset="0"/>
+              </a:rPr>
+              <a:t>core</a:t>
+            </a:r>
+            <a:r>
+              <a:rPr lang="en-US" sz="1200" dirty="0">
+                <a:latin typeface="Courier" charset="0"/>
+                <a:ea typeface="Courier" charset="0"/>
+                <a:cs typeface="Courier" charset="0"/>
+              </a:rPr>
+              <a:t>::pack::</a:t>
+            </a:r>
+            <a:r>
+              <a:rPr lang="en-US" sz="1200" dirty="0" err="1">
+                <a:latin typeface="Courier" charset="0"/>
+                <a:ea typeface="Courier" charset="0"/>
+                <a:cs typeface="Courier" charset="0"/>
+              </a:rPr>
+              <a:t>pack_rotamers</a:t>
+            </a:r>
+            <a:r>
+              <a:rPr lang="en-US" sz="1200" dirty="0">
+                <a:latin typeface="Courier" charset="0"/>
+                <a:ea typeface="Courier" charset="0"/>
+                <a:cs typeface="Courier" charset="0"/>
+              </a:rPr>
+              <a:t>( *</a:t>
+            </a:r>
+            <a:r>
+              <a:rPr lang="en-US" sz="1200" dirty="0" err="1">
+                <a:latin typeface="Courier" charset="0"/>
+                <a:ea typeface="Courier" charset="0"/>
+                <a:cs typeface="Courier" charset="0"/>
+              </a:rPr>
+              <a:t>mypose</a:t>
+            </a:r>
+            <a:r>
+              <a:rPr lang="en-US" sz="1200" dirty="0">
+                <a:latin typeface="Courier" charset="0"/>
+                <a:ea typeface="Courier" charset="0"/>
+                <a:cs typeface="Courier" charset="0"/>
+              </a:rPr>
+              <a:t>, *</a:t>
+            </a:r>
+            <a:r>
+              <a:rPr lang="en-US" sz="1200" dirty="0" err="1">
+                <a:latin typeface="Courier" charset="0"/>
+                <a:ea typeface="Courier" charset="0"/>
+                <a:cs typeface="Courier" charset="0"/>
+              </a:rPr>
+              <a:t>sfxn</a:t>
+            </a:r>
+            <a:r>
+              <a:rPr lang="en-US" sz="1200" dirty="0">
+                <a:latin typeface="Courier" charset="0"/>
+                <a:ea typeface="Courier" charset="0"/>
+                <a:cs typeface="Courier" charset="0"/>
+              </a:rPr>
+              <a:t>, </a:t>
+            </a:r>
+            <a:r>
+              <a:rPr lang="en-US" sz="1200" dirty="0" err="1">
+                <a:latin typeface="Courier" charset="0"/>
+                <a:ea typeface="Courier" charset="0"/>
+                <a:cs typeface="Courier" charset="0"/>
+              </a:rPr>
+              <a:t>repack_task</a:t>
+            </a:r>
+            <a:r>
+              <a:rPr lang="en-US" sz="1200" dirty="0">
+                <a:latin typeface="Courier" charset="0"/>
+                <a:ea typeface="Courier" charset="0"/>
+                <a:cs typeface="Courier" charset="0"/>
+              </a:rPr>
+              <a:t> </a:t>
+            </a:r>
+            <a:r>
+              <a:rPr lang="en-US" sz="1200" dirty="0" smtClean="0">
+                <a:latin typeface="Courier" charset="0"/>
+                <a:ea typeface="Courier" charset="0"/>
+                <a:cs typeface="Courier" charset="0"/>
+              </a:rPr>
+              <a:t>);</a:t>
+            </a:r>
+          </a:p>
+          <a:p>
+            <a:endParaRPr lang="en-US" sz="1200" dirty="0" smtClean="0">
+              <a:latin typeface="Courier" charset="0"/>
+              <a:ea typeface="Courier" charset="0"/>
+              <a:cs typeface="Courier" charset="0"/>
+            </a:endParaRPr>
+          </a:p>
+          <a:p>
+            <a:r>
+              <a:rPr lang="en-US" sz="1200" dirty="0">
+                <a:latin typeface="Courier" charset="0"/>
+                <a:ea typeface="Courier" charset="0"/>
+                <a:cs typeface="Courier" charset="0"/>
+              </a:rPr>
+              <a:t>core::optimization::</a:t>
+            </a:r>
+            <a:r>
+              <a:rPr lang="en-US" sz="1200" dirty="0" err="1">
+                <a:latin typeface="Courier" charset="0"/>
+                <a:ea typeface="Courier" charset="0"/>
+                <a:cs typeface="Courier" charset="0"/>
+              </a:rPr>
+              <a:t>MinimizerOptions</a:t>
+            </a:r>
+            <a:r>
+              <a:rPr lang="en-US" sz="1200" dirty="0">
+                <a:latin typeface="Courier" charset="0"/>
+                <a:ea typeface="Courier" charset="0"/>
+                <a:cs typeface="Courier" charset="0"/>
+              </a:rPr>
+              <a:t> </a:t>
+            </a:r>
+            <a:r>
+              <a:rPr lang="en-US" sz="1200" dirty="0" err="1">
+                <a:latin typeface="Courier" charset="0"/>
+                <a:ea typeface="Courier" charset="0"/>
+                <a:cs typeface="Courier" charset="0"/>
+              </a:rPr>
+              <a:t>min_opts</a:t>
+            </a:r>
+            <a:r>
+              <a:rPr lang="en-US" sz="1200" dirty="0">
+                <a:latin typeface="Courier" charset="0"/>
+                <a:ea typeface="Courier" charset="0"/>
+                <a:cs typeface="Courier" charset="0"/>
+              </a:rPr>
+              <a:t>( "</a:t>
+            </a:r>
+            <a:r>
+              <a:rPr lang="en-US" sz="1200" dirty="0" err="1">
+                <a:latin typeface="Courier" charset="0"/>
+                <a:ea typeface="Courier" charset="0"/>
+                <a:cs typeface="Courier" charset="0"/>
+              </a:rPr>
+              <a:t>lbfgs_armijo_atol</a:t>
+            </a:r>
+            <a:r>
+              <a:rPr lang="en-US" sz="1200" dirty="0">
+                <a:latin typeface="Courier" charset="0"/>
+                <a:ea typeface="Courier" charset="0"/>
+                <a:cs typeface="Courier" charset="0"/>
+              </a:rPr>
+              <a:t>", 0.01, true</a:t>
+            </a:r>
+            <a:r>
+              <a:rPr lang="en-US" sz="1200" dirty="0" smtClean="0">
+                <a:latin typeface="Courier" charset="0"/>
+                <a:ea typeface="Courier" charset="0"/>
+                <a:cs typeface="Courier" charset="0"/>
+              </a:rPr>
+              <a:t>);     </a:t>
+            </a:r>
+            <a:r>
+              <a:rPr lang="en-US" sz="1200" dirty="0">
+                <a:latin typeface="Courier" charset="0"/>
+                <a:ea typeface="Courier" charset="0"/>
+                <a:cs typeface="Courier" charset="0"/>
+              </a:rPr>
+              <a:t>core::optimization::</a:t>
+            </a:r>
+            <a:r>
+              <a:rPr lang="en-US" sz="1200" dirty="0" err="1">
+                <a:latin typeface="Courier" charset="0"/>
+                <a:ea typeface="Courier" charset="0"/>
+                <a:cs typeface="Courier" charset="0"/>
+              </a:rPr>
+              <a:t>AtomTreeMinimizer</a:t>
+            </a:r>
+            <a:r>
+              <a:rPr lang="en-US" sz="1200" dirty="0">
+                <a:latin typeface="Courier" charset="0"/>
+                <a:ea typeface="Courier" charset="0"/>
+                <a:cs typeface="Courier" charset="0"/>
+              </a:rPr>
+              <a:t> </a:t>
+            </a:r>
+            <a:r>
+              <a:rPr lang="en-US" sz="1200" dirty="0" err="1">
+                <a:latin typeface="Courier" charset="0"/>
+                <a:ea typeface="Courier" charset="0"/>
+                <a:cs typeface="Courier" charset="0"/>
+              </a:rPr>
+              <a:t>atm</a:t>
+            </a:r>
+            <a:r>
+              <a:rPr lang="en-US" sz="1200" dirty="0" smtClean="0">
+                <a:latin typeface="Courier" charset="0"/>
+                <a:ea typeface="Courier" charset="0"/>
+                <a:cs typeface="Courier" charset="0"/>
+              </a:rPr>
+              <a:t>;</a:t>
+            </a:r>
+            <a:endParaRPr lang="en-US" sz="1200" dirty="0">
+              <a:latin typeface="Courier" charset="0"/>
+              <a:ea typeface="Courier" charset="0"/>
+              <a:cs typeface="Courier" charset="0"/>
+            </a:endParaRPr>
+          </a:p>
+        </p:txBody>
+      </p:sp>
     </p:spTree>
   </p:cSld>
   <p:clrMapOvr>
